--- a/MongoDB/MongoDB.pptx
+++ b/MongoDB/MongoDB.pptx
@@ -6,19 +6,26 @@
   </p:sldMasterIdLst>
   <p:sldIdLst>
     <p:sldId id="256" r:id="rId2"/>
-    <p:sldId id="270" r:id="rId3"/>
-    <p:sldId id="257" r:id="rId4"/>
-    <p:sldId id="259" r:id="rId5"/>
-    <p:sldId id="261" r:id="rId6"/>
-    <p:sldId id="260" r:id="rId7"/>
-    <p:sldId id="262" r:id="rId8"/>
-    <p:sldId id="263" r:id="rId9"/>
-    <p:sldId id="264" r:id="rId10"/>
-    <p:sldId id="265" r:id="rId11"/>
-    <p:sldId id="266" r:id="rId12"/>
-    <p:sldId id="267" r:id="rId13"/>
-    <p:sldId id="268" r:id="rId14"/>
-    <p:sldId id="269" r:id="rId15"/>
+    <p:sldId id="271" r:id="rId3"/>
+    <p:sldId id="270" r:id="rId4"/>
+    <p:sldId id="275" r:id="rId5"/>
+    <p:sldId id="257" r:id="rId6"/>
+    <p:sldId id="259" r:id="rId7"/>
+    <p:sldId id="273" r:id="rId8"/>
+    <p:sldId id="261" r:id="rId9"/>
+    <p:sldId id="276" r:id="rId10"/>
+    <p:sldId id="277" r:id="rId11"/>
+    <p:sldId id="260" r:id="rId12"/>
+    <p:sldId id="262" r:id="rId13"/>
+    <p:sldId id="263" r:id="rId14"/>
+    <p:sldId id="264" r:id="rId15"/>
+    <p:sldId id="265" r:id="rId16"/>
+    <p:sldId id="266" r:id="rId17"/>
+    <p:sldId id="274" r:id="rId18"/>
+    <p:sldId id="267" r:id="rId19"/>
+    <p:sldId id="272" r:id="rId20"/>
+    <p:sldId id="268" r:id="rId21"/>
+    <p:sldId id="269" r:id="rId22"/>
   </p:sldIdLst>
   <p:sldSz cx="12192000" cy="6858000"/>
   <p:notesSz cx="6858000" cy="9144000"/>
@@ -339,7 +346,7 @@
             <a:fld id="{B61BEF0D-F0BB-DE4B-95CE-6DB70DBA9567}" type="datetimeFigureOut">
               <a:rPr lang="en-US" dirty="0"/>
               <a:pPr/>
-              <a:t>4/9/2018</a:t>
+              <a:t>4/12/2018</a:t>
             </a:fld>
             <a:endParaRPr lang="en-US" dirty="0"/>
           </a:p>
@@ -627,7 +634,7 @@
             <a:fld id="{B61BEF0D-F0BB-DE4B-95CE-6DB70DBA9567}" type="datetimeFigureOut">
               <a:rPr lang="en-US" dirty="0"/>
               <a:pPr/>
-              <a:t>4/9/2018</a:t>
+              <a:t>4/12/2018</a:t>
             </a:fld>
             <a:endParaRPr lang="en-US" dirty="0"/>
           </a:p>
@@ -883,7 +890,7 @@
             <a:fld id="{B61BEF0D-F0BB-DE4B-95CE-6DB70DBA9567}" type="datetimeFigureOut">
               <a:rPr lang="en-US" dirty="0"/>
               <a:pPr/>
-              <a:t>4/9/2018</a:t>
+              <a:t>4/12/2018</a:t>
             </a:fld>
             <a:endParaRPr lang="en-US" dirty="0"/>
           </a:p>
@@ -1349,7 +1356,7 @@
             <a:fld id="{B61BEF0D-F0BB-DE4B-95CE-6DB70DBA9567}" type="datetimeFigureOut">
               <a:rPr lang="en-US" dirty="0"/>
               <a:pPr/>
-              <a:t>4/9/2018</a:t>
+              <a:t>4/12/2018</a:t>
             </a:fld>
             <a:endParaRPr lang="en-US" dirty="0"/>
           </a:p>
@@ -1526,7 +1533,7 @@
             <a:fld id="{B61BEF0D-F0BB-DE4B-95CE-6DB70DBA9567}" type="datetimeFigureOut">
               <a:rPr lang="en-US" dirty="0"/>
               <a:pPr/>
-              <a:t>4/9/2018</a:t>
+              <a:t>4/12/2018</a:t>
             </a:fld>
             <a:endParaRPr lang="en-US" dirty="0"/>
           </a:p>
@@ -2099,7 +2106,7 @@
             <a:fld id="{B61BEF0D-F0BB-DE4B-95CE-6DB70DBA9567}" type="datetimeFigureOut">
               <a:rPr lang="en-US" dirty="0"/>
               <a:pPr/>
-              <a:t>4/9/2018</a:t>
+              <a:t>4/12/2018</a:t>
             </a:fld>
             <a:endParaRPr lang="en-US" dirty="0"/>
           </a:p>
@@ -2428,7 +2435,7 @@
             <a:fld id="{B61BEF0D-F0BB-DE4B-95CE-6DB70DBA9567}" type="datetimeFigureOut">
               <a:rPr lang="en-US" dirty="0"/>
               <a:pPr/>
-              <a:t>4/9/2018</a:t>
+              <a:t>4/12/2018</a:t>
             </a:fld>
             <a:endParaRPr lang="en-US" dirty="0"/>
           </a:p>
@@ -2600,7 +2607,7 @@
             <a:fld id="{B61BEF0D-F0BB-DE4B-95CE-6DB70DBA9567}" type="datetimeFigureOut">
               <a:rPr lang="en-US" dirty="0"/>
               <a:pPr/>
-              <a:t>4/9/2018</a:t>
+              <a:t>4/12/2018</a:t>
             </a:fld>
             <a:endParaRPr lang="en-US" dirty="0"/>
           </a:p>
@@ -2777,7 +2784,7 @@
             <a:fld id="{B61BEF0D-F0BB-DE4B-95CE-6DB70DBA9567}" type="datetimeFigureOut">
               <a:rPr lang="en-US" dirty="0"/>
               <a:pPr/>
-              <a:t>4/9/2018</a:t>
+              <a:t>4/12/2018</a:t>
             </a:fld>
             <a:endParaRPr lang="en-US" dirty="0"/>
           </a:p>
@@ -2944,7 +2951,7 @@
             <a:fld id="{B61BEF0D-F0BB-DE4B-95CE-6DB70DBA9567}" type="datetimeFigureOut">
               <a:rPr lang="en-US" dirty="0"/>
               <a:pPr/>
-              <a:t>4/9/2018</a:t>
+              <a:t>4/12/2018</a:t>
             </a:fld>
             <a:endParaRPr lang="en-US" dirty="0"/>
           </a:p>
@@ -3198,7 +3205,7 @@
             <a:fld id="{B61BEF0D-F0BB-DE4B-95CE-6DB70DBA9567}" type="datetimeFigureOut">
               <a:rPr lang="en-US" dirty="0"/>
               <a:pPr/>
-              <a:t>4/9/2018</a:t>
+              <a:t>4/12/2018</a:t>
             </a:fld>
             <a:endParaRPr lang="en-US" dirty="0"/>
           </a:p>
@@ -3487,7 +3494,7 @@
             <a:fld id="{B61BEF0D-F0BB-DE4B-95CE-6DB70DBA9567}" type="datetimeFigureOut">
               <a:rPr lang="en-US" dirty="0"/>
               <a:pPr/>
-              <a:t>4/9/2018</a:t>
+              <a:t>4/12/2018</a:t>
             </a:fld>
             <a:endParaRPr lang="en-US" dirty="0"/>
           </a:p>
@@ -3914,7 +3921,7 @@
             <a:fld id="{B61BEF0D-F0BB-DE4B-95CE-6DB70DBA9567}" type="datetimeFigureOut">
               <a:rPr lang="en-US" dirty="0"/>
               <a:pPr/>
-              <a:t>4/9/2018</a:t>
+              <a:t>4/12/2018</a:t>
             </a:fld>
             <a:endParaRPr lang="en-US" dirty="0"/>
           </a:p>
@@ -4029,7 +4036,7 @@
             <a:fld id="{B61BEF0D-F0BB-DE4B-95CE-6DB70DBA9567}" type="datetimeFigureOut">
               <a:rPr lang="en-US" dirty="0"/>
               <a:pPr/>
-              <a:t>4/9/2018</a:t>
+              <a:t>4/12/2018</a:t>
             </a:fld>
             <a:endParaRPr lang="en-US" dirty="0"/>
           </a:p>
@@ -4121,7 +4128,7 @@
             <a:fld id="{B61BEF0D-F0BB-DE4B-95CE-6DB70DBA9567}" type="datetimeFigureOut">
               <a:rPr lang="en-US" dirty="0"/>
               <a:pPr/>
-              <a:t>4/9/2018</a:t>
+              <a:t>4/12/2018</a:t>
             </a:fld>
             <a:endParaRPr lang="en-US" dirty="0"/>
           </a:p>
@@ -4401,7 +4408,7 @@
             <a:fld id="{B61BEF0D-F0BB-DE4B-95CE-6DB70DBA9567}" type="datetimeFigureOut">
               <a:rPr lang="en-US" dirty="0"/>
               <a:pPr/>
-              <a:t>4/9/2018</a:t>
+              <a:t>4/12/2018</a:t>
             </a:fld>
             <a:endParaRPr lang="en-US" dirty="0"/>
           </a:p>
@@ -4689,7 +4696,7 @@
             <a:fld id="{B61BEF0D-F0BB-DE4B-95CE-6DB70DBA9567}" type="datetimeFigureOut">
               <a:rPr lang="en-US" dirty="0"/>
               <a:pPr/>
-              <a:t>4/9/2018</a:t>
+              <a:t>4/12/2018</a:t>
             </a:fld>
             <a:endParaRPr lang="en-US" dirty="0"/>
           </a:p>
@@ -4917,7 +4924,7 @@
             <a:fld id="{B61BEF0D-F0BB-DE4B-95CE-6DB70DBA9567}" type="datetimeFigureOut">
               <a:rPr lang="en-US" dirty="0"/>
               <a:pPr/>
-              <a:t>4/9/2018</a:t>
+              <a:t>4/12/2018</a:t>
             </a:fld>
             <a:endParaRPr lang="en-US" dirty="0"/>
           </a:p>
@@ -5795,7 +5802,7 @@
           <p:cNvPr id="2" name="Tiêu đề 1">
             <a:extLst>
               <a:ext uri="{FF2B5EF4-FFF2-40B4-BE49-F238E27FC236}">
-                <a16:creationId xmlns:a16="http://schemas.microsoft.com/office/drawing/2014/main" id="{113B09FC-46B4-4F39-A3B9-1FF31CEEC7A5}"/>
+                <a16:creationId xmlns:a16="http://schemas.microsoft.com/office/drawing/2014/main" id="{48F7A02C-E730-407D-BC6A-3763C4EE1386}"/>
               </a:ext>
             </a:extLst>
           </p:cNvPr>
@@ -5803,34 +5810,29 @@
             <a:spLocks noGrp="1"/>
           </p:cNvSpPr>
           <p:nvPr>
-            <p:ph type="ctrTitle"/>
-          </p:nvPr>
-        </p:nvSpPr>
-        <p:spPr>
-          <a:xfrm>
-            <a:off x="1751012" y="609601"/>
-            <a:ext cx="8676222" cy="1701113"/>
-          </a:xfrm>
-        </p:spPr>
-        <p:txBody>
-          <a:bodyPr/>
-          <a:lstStyle/>
-          <a:p>
-            <a:pPr algn="l"/>
-            <a:r>
-              <a:rPr lang="en-US" u="sng" dirty="0"/>
-              <a:t>CRUD Operations</a:t>
-            </a:r>
-            <a:endParaRPr lang="en-US" dirty="0"/>
-          </a:p>
-        </p:txBody>
-      </p:sp>
-      <p:sp>
-        <p:nvSpPr>
-          <p:cNvPr id="3" name="Tiêu đề phụ 2">
+            <p:ph type="title"/>
+          </p:nvPr>
+        </p:nvSpPr>
+        <p:spPr/>
+        <p:txBody>
+          <a:bodyPr>
+            <a:normAutofit/>
+          </a:bodyPr>
+          <a:lstStyle/>
+          <a:p>
+            <a:r>
+              <a:rPr lang="en-US" sz="4800" u="sng" dirty="0"/>
+              <a:t>High performance</a:t>
+            </a:r>
+          </a:p>
+        </p:txBody>
+      </p:sp>
+      <p:sp>
+        <p:nvSpPr>
+          <p:cNvPr id="3" name="Chỗ dành sẵn cho Nội dung 2">
             <a:extLst>
               <a:ext uri="{FF2B5EF4-FFF2-40B4-BE49-F238E27FC236}">
-                <a16:creationId xmlns:a16="http://schemas.microsoft.com/office/drawing/2014/main" id="{F93D1FD6-EF70-4B29-A092-57FDAAC513D3}"/>
+                <a16:creationId xmlns:a16="http://schemas.microsoft.com/office/drawing/2014/main" id="{CA52DCA3-0424-4B7A-A299-F3B2C0E56910}"/>
               </a:ext>
             </a:extLst>
           </p:cNvPr>
@@ -5838,102 +5840,57 @@
             <a:spLocks noGrp="1"/>
           </p:cNvSpPr>
           <p:nvPr>
-            <p:ph type="subTitle" idx="1"/>
-          </p:nvPr>
-        </p:nvSpPr>
-        <p:spPr>
-          <a:xfrm>
-            <a:off x="1751012" y="2631989"/>
-            <a:ext cx="8676222" cy="3159211"/>
-          </a:xfrm>
-        </p:spPr>
-        <p:txBody>
-          <a:bodyPr>
-            <a:normAutofit fontScale="92500" lnSpcReduction="10000"/>
-          </a:bodyPr>
-          <a:lstStyle/>
-          <a:p>
-            <a:pPr marL="342900" indent="-342900" algn="l">
-              <a:buFont typeface="Arial" panose="020B0604020202020204" pitchFamily="34" charset="0"/>
-              <a:buChar char="•"/>
-            </a:pPr>
+            <p:ph idx="1"/>
+          </p:nvPr>
+        </p:nvSpPr>
+        <p:spPr/>
+        <p:txBody>
+          <a:bodyPr/>
+          <a:lstStyle/>
+          <a:p>
+            <a:endParaRPr lang="en-US" dirty="0"/>
+          </a:p>
+          <a:p>
             <a:r>
               <a:rPr lang="en-US" dirty="0"/>
-              <a:t>Insert </a:t>
-            </a:r>
-          </a:p>
-          <a:p>
-            <a:pPr algn="l"/>
+              <a:t>Used </a:t>
+            </a:r>
+            <a:r>
+              <a:rPr lang="en-US" dirty="0" err="1"/>
+              <a:t>bson</a:t>
+            </a:r>
             <a:r>
               <a:rPr lang="en-US" dirty="0"/>
-              <a:t>	 Db.&lt;collection name &gt;.insert(&lt;BSON document&gt;) </a:t>
-            </a:r>
-          </a:p>
-          <a:p>
-            <a:pPr marL="342900" indent="-342900" algn="l">
-              <a:buFont typeface="Arial" panose="020B0604020202020204" pitchFamily="34" charset="0"/>
-              <a:buChar char="•"/>
-            </a:pPr>
+              <a:t> for storing data</a:t>
+            </a:r>
+          </a:p>
+          <a:p>
             <a:r>
               <a:rPr lang="en-US" dirty="0"/>
-              <a:t>Find</a:t>
-            </a:r>
-          </a:p>
-          <a:p>
-            <a:pPr algn="l"/>
+              <a:t>Used b-tree indexes </a:t>
+            </a:r>
+          </a:p>
+          <a:p>
+            <a:r>
+              <a:rPr lang="en-US" dirty="0" err="1"/>
+              <a:t>Sharding</a:t>
+            </a:r>
             <a:r>
               <a:rPr lang="en-US" dirty="0"/>
-              <a:t>	 Db.&lt;collection name &gt;.</a:t>
-            </a:r>
-            <a:r>
-              <a:rPr lang="en-US" dirty="0" err="1"/>
-              <a:t>find.pretty</a:t>
-            </a:r>
-            <a:r>
-              <a:rPr lang="en-US" dirty="0"/>
-              <a:t>()</a:t>
-            </a:r>
-          </a:p>
-          <a:p>
-            <a:pPr marL="342900" indent="-342900" algn="l">
-              <a:buFont typeface="Arial" panose="020B0604020202020204" pitchFamily="34" charset="0"/>
-              <a:buChar char="•"/>
-            </a:pPr>
-            <a:r>
-              <a:rPr lang="en-US" dirty="0"/>
-              <a:t>Update</a:t>
-            </a:r>
-          </a:p>
-          <a:p>
-            <a:pPr algn="l"/>
-            <a:r>
-              <a:rPr lang="en-US" dirty="0"/>
-              <a:t>	 Db.&lt;collection name &gt;.update(&lt;BSON document&gt;) </a:t>
-            </a:r>
-          </a:p>
-          <a:p>
-            <a:pPr marL="342900" indent="-342900" algn="l">
-              <a:buFont typeface="Arial" panose="020B0604020202020204" pitchFamily="34" charset="0"/>
-              <a:buChar char="•"/>
-            </a:pPr>
-            <a:r>
-              <a:rPr lang="en-US" dirty="0"/>
-              <a:t>Remove</a:t>
-            </a:r>
-          </a:p>
-          <a:p>
-            <a:pPr algn="l"/>
-            <a:r>
-              <a:rPr lang="en-US" dirty="0"/>
-              <a:t>	 Db.&lt;collection name &gt;.remove(&lt;BSON document&gt;) </a:t>
-            </a:r>
+              <a:t> can boot </a:t>
+            </a:r>
+            <a:r>
+              <a:rPr lang="en-US"/>
+              <a:t>queries performance</a:t>
+            </a:r>
+            <a:endParaRPr lang="en-US" dirty="0"/>
           </a:p>
         </p:txBody>
       </p:sp>
     </p:spTree>
     <p:extLst>
       <p:ext uri="{BB962C8B-B14F-4D97-AF65-F5344CB8AC3E}">
-        <p14:creationId xmlns:p14="http://schemas.microsoft.com/office/powerpoint/2010/main" val="2053059422"/>
+        <p14:creationId xmlns:p14="http://schemas.microsoft.com/office/powerpoint/2010/main" val="1451819597"/>
       </p:ext>
     </p:extLst>
   </p:cSld>
@@ -5965,7 +5922,7 @@
           <p:cNvPr id="2" name="Tiêu đề 1">
             <a:extLst>
               <a:ext uri="{FF2B5EF4-FFF2-40B4-BE49-F238E27FC236}">
-                <a16:creationId xmlns:a16="http://schemas.microsoft.com/office/drawing/2014/main" id="{9FFD84F4-F37C-4ADA-AEF2-9835298383DB}"/>
+                <a16:creationId xmlns:a16="http://schemas.microsoft.com/office/drawing/2014/main" id="{C0284EFB-8EF4-49EA-A054-D33067905347}"/>
               </a:ext>
             </a:extLst>
           </p:cNvPr>
@@ -5976,22 +5933,19 @@
             <p:ph type="title"/>
           </p:nvPr>
         </p:nvSpPr>
-        <p:spPr/>
+        <p:spPr>
+          <a:xfrm>
+            <a:off x="1141413" y="609600"/>
+            <a:ext cx="9905998" cy="1120346"/>
+          </a:xfrm>
+        </p:spPr>
         <p:txBody>
           <a:bodyPr/>
           <a:lstStyle/>
           <a:p>
             <a:r>
-              <a:rPr lang="en-US" sz="4800" u="sng" dirty="0"/>
-              <a:t>Aggregation</a:t>
-            </a:r>
-            <a:r>
-              <a:rPr lang="en-US" dirty="0"/>
-              <a:t> </a:t>
-            </a:r>
-            <a:r>
-              <a:rPr lang="en-US" sz="4800" u="sng" dirty="0"/>
-              <a:t>framework</a:t>
+              <a:rPr lang="en-US" sz="4800" u="sng" dirty="0" err="1"/>
+              <a:t>Schemaless</a:t>
             </a:r>
             <a:endParaRPr lang="en-US" u="sng" dirty="0"/>
           </a:p>
@@ -6002,7 +5956,7 @@
           <p:cNvPr id="3" name="Chỗ dành sẵn cho Nội dung 2">
             <a:extLst>
               <a:ext uri="{FF2B5EF4-FFF2-40B4-BE49-F238E27FC236}">
-                <a16:creationId xmlns:a16="http://schemas.microsoft.com/office/drawing/2014/main" id="{91B1B0A8-BC33-41B3-834E-11B0290699CF}"/>
+                <a16:creationId xmlns:a16="http://schemas.microsoft.com/office/drawing/2014/main" id="{31A2167B-D85A-4063-83B1-829AAD238560}"/>
               </a:ext>
             </a:extLst>
           </p:cNvPr>
@@ -6015,27 +5969,30 @@
         </p:nvSpPr>
         <p:spPr>
           <a:xfrm>
-            <a:off x="871212" y="2326388"/>
-            <a:ext cx="4066548" cy="3373371"/>
+            <a:off x="1141413" y="1567248"/>
+            <a:ext cx="9905998" cy="1979142"/>
           </a:xfrm>
         </p:spPr>
         <p:txBody>
           <a:bodyPr/>
           <a:lstStyle/>
           <a:p>
+            <a:pPr marL="0" indent="0">
+              <a:buNone/>
+            </a:pPr>
             <a:r>
               <a:rPr lang="en-US" dirty="0"/>
-              <a:t>Documents enter a multi-stage pipeline that transforms the documents into an aggregated results </a:t>
+              <a:t> 	two documents don’t have the same schema can be stored in the same collection</a:t>
             </a:r>
           </a:p>
         </p:txBody>
       </p:sp>
       <p:pic>
         <p:nvPicPr>
-          <p:cNvPr id="7" name="Hình ảnh 6">
+          <p:cNvPr id="5" name="Hình ảnh 4">
             <a:extLst>
               <a:ext uri="{FF2B5EF4-FFF2-40B4-BE49-F238E27FC236}">
-                <a16:creationId xmlns:a16="http://schemas.microsoft.com/office/drawing/2014/main" id="{B02763E4-1480-4474-98D6-823F85A968C0}"/>
+                <a16:creationId xmlns:a16="http://schemas.microsoft.com/office/drawing/2014/main" id="{175ACE71-472A-4AB7-A2F9-9E91B9CE95B1}"/>
               </a:ext>
             </a:extLst>
           </p:cNvPr>
@@ -6052,8 +6009,8 @@
         </p:blipFill>
         <p:spPr>
           <a:xfrm>
-            <a:off x="5046029" y="2326389"/>
-            <a:ext cx="6490651" cy="4272327"/>
+            <a:off x="1527042" y="3401899"/>
+            <a:ext cx="9137916" cy="2130222"/>
           </a:xfrm>
           <a:prstGeom prst="rect">
             <a:avLst/>
@@ -6063,7 +6020,7 @@
     </p:spTree>
     <p:extLst>
       <p:ext uri="{BB962C8B-B14F-4D97-AF65-F5344CB8AC3E}">
-        <p14:creationId xmlns:p14="http://schemas.microsoft.com/office/powerpoint/2010/main" val="2447395897"/>
+        <p14:creationId xmlns:p14="http://schemas.microsoft.com/office/powerpoint/2010/main" val="2993211665"/>
       </p:ext>
     </p:extLst>
   </p:cSld>
@@ -6095,7 +6052,7 @@
           <p:cNvPr id="2" name="Tiêu đề 1">
             <a:extLst>
               <a:ext uri="{FF2B5EF4-FFF2-40B4-BE49-F238E27FC236}">
-                <a16:creationId xmlns:a16="http://schemas.microsoft.com/office/drawing/2014/main" id="{59CF12E8-8A16-4641-8F46-D68E47B0C625}"/>
+                <a16:creationId xmlns:a16="http://schemas.microsoft.com/office/drawing/2014/main" id="{D709856B-4350-4E16-86E5-9444D427EC45}"/>
               </a:ext>
             </a:extLst>
           </p:cNvPr>
@@ -6106,22 +6063,16 @@
             <p:ph type="title"/>
           </p:nvPr>
         </p:nvSpPr>
-        <p:spPr>
-          <a:xfrm>
-            <a:off x="1143001" y="107091"/>
-            <a:ext cx="9905998" cy="1905000"/>
-          </a:xfrm>
-        </p:spPr>
-        <p:txBody>
-          <a:bodyPr>
-            <a:normAutofit/>
-          </a:bodyPr>
+        <p:spPr/>
+        <p:txBody>
+          <a:bodyPr/>
           <a:lstStyle/>
           <a:p>
             <a:r>
               <a:rPr lang="en-US" sz="4800" u="sng" dirty="0"/>
-              <a:t>Map-reduce</a:t>
-            </a:r>
+              <a:t>Unsupported</a:t>
+            </a:r>
+            <a:endParaRPr lang="en-US" u="sng" dirty="0"/>
           </a:p>
         </p:txBody>
       </p:sp>
@@ -6130,7 +6081,7 @@
           <p:cNvPr id="3" name="Chỗ dành sẵn cho Nội dung 2">
             <a:extLst>
               <a:ext uri="{FF2B5EF4-FFF2-40B4-BE49-F238E27FC236}">
-                <a16:creationId xmlns:a16="http://schemas.microsoft.com/office/drawing/2014/main" id="{EA86B5F6-D241-4686-99A6-79D2AB84CB6C}"/>
+                <a16:creationId xmlns:a16="http://schemas.microsoft.com/office/drawing/2014/main" id="{DD0C532C-E863-4455-BFF1-4FF6E2E6DE41}"/>
               </a:ext>
             </a:extLst>
           </p:cNvPr>
@@ -6143,8 +6094,8 @@
         </p:nvSpPr>
         <p:spPr>
           <a:xfrm>
-            <a:off x="411481" y="1647567"/>
-            <a:ext cx="3505200" cy="2467233"/>
+            <a:off x="1141413" y="2095499"/>
+            <a:ext cx="9905998" cy="3759201"/>
           </a:xfrm>
         </p:spPr>
         <p:txBody>
@@ -6153,45 +6104,24 @@
           <a:p>
             <a:r>
               <a:rPr lang="en-US" dirty="0"/>
-              <a:t>A data processing paradigm for condensing larger volumes of data into useful aggregated results</a:t>
-            </a:r>
-          </a:p>
-        </p:txBody>
-      </p:sp>
-      <p:pic>
-        <p:nvPicPr>
-          <p:cNvPr id="5" name="Hình ảnh 4">
-            <a:extLst>
-              <a:ext uri="{FF2B5EF4-FFF2-40B4-BE49-F238E27FC236}">
-                <a16:creationId xmlns:a16="http://schemas.microsoft.com/office/drawing/2014/main" id="{4BFFAAB9-783D-4268-B688-BB3E9CDFD177}"/>
-              </a:ext>
-            </a:extLst>
-          </p:cNvPr>
-          <p:cNvPicPr>
-            <a:picLocks noChangeAspect="1"/>
-          </p:cNvPicPr>
-          <p:nvPr/>
-        </p:nvPicPr>
-        <p:blipFill>
-          <a:blip r:embed="rId2"/>
-          <a:stretch>
-            <a:fillRect/>
-          </a:stretch>
-        </p:blipFill>
-        <p:spPr>
-          <a:xfrm>
-            <a:off x="3916680" y="1905822"/>
-            <a:ext cx="7863840" cy="4808792"/>
-          </a:xfrm>
-          <a:prstGeom prst="rect">
-            <a:avLst/>
-          </a:prstGeom>
-        </p:spPr>
-      </p:pic>
+              <a:t>Joins</a:t>
+            </a:r>
+          </a:p>
+          <a:p>
+            <a:endParaRPr lang="en-US" dirty="0"/>
+          </a:p>
+          <a:p>
+            <a:r>
+              <a:rPr lang="en-US" dirty="0"/>
+              <a:t>Transaction 	across multiple collection</a:t>
+            </a:r>
+          </a:p>
+        </p:txBody>
+      </p:sp>
     </p:spTree>
     <p:extLst>
       <p:ext uri="{BB962C8B-B14F-4D97-AF65-F5344CB8AC3E}">
-        <p14:creationId xmlns:p14="http://schemas.microsoft.com/office/powerpoint/2010/main" val="1831926754"/>
+        <p14:creationId xmlns:p14="http://schemas.microsoft.com/office/powerpoint/2010/main" val="1613898135"/>
       </p:ext>
     </p:extLst>
   </p:cSld>
@@ -6223,7 +6153,7 @@
           <p:cNvPr id="2" name="Tiêu đề 1">
             <a:extLst>
               <a:ext uri="{FF2B5EF4-FFF2-40B4-BE49-F238E27FC236}">
-                <a16:creationId xmlns:a16="http://schemas.microsoft.com/office/drawing/2014/main" id="{4DBF8E80-4421-47F8-9AA8-169680A9CB25}"/>
+                <a16:creationId xmlns:a16="http://schemas.microsoft.com/office/drawing/2014/main" id="{80657FE7-B3B0-45C4-9BB1-281B92C1C857}"/>
               </a:ext>
             </a:extLst>
           </p:cNvPr>
@@ -6236,28 +6166,93 @@
         </p:nvSpPr>
         <p:spPr/>
         <p:txBody>
+          <a:bodyPr>
+            <a:normAutofit/>
+          </a:bodyPr>
+          <a:lstStyle/>
+          <a:p>
+            <a:r>
+              <a:rPr lang="en-US" sz="4800" u="sng" dirty="0"/>
+              <a:t>Object id</a:t>
+            </a:r>
+          </a:p>
+        </p:txBody>
+      </p:sp>
+      <p:sp>
+        <p:nvSpPr>
+          <p:cNvPr id="3" name="Chỗ dành sẵn cho Nội dung 2">
+            <a:extLst>
+              <a:ext uri="{FF2B5EF4-FFF2-40B4-BE49-F238E27FC236}">
+                <a16:creationId xmlns:a16="http://schemas.microsoft.com/office/drawing/2014/main" id="{24125099-CEE5-4FE9-898E-691B0135A90F}"/>
+              </a:ext>
+            </a:extLst>
+          </p:cNvPr>
+          <p:cNvSpPr>
+            <a:spLocks noGrp="1"/>
+          </p:cNvSpPr>
+          <p:nvPr>
+            <p:ph idx="1"/>
+          </p:nvPr>
+        </p:nvSpPr>
+        <p:spPr>
+          <a:xfrm>
+            <a:off x="1141413" y="2086232"/>
+            <a:ext cx="9905998" cy="3124201"/>
+          </a:xfrm>
+        </p:spPr>
+        <p:txBody>
           <a:bodyPr/>
           <a:lstStyle/>
           <a:p>
-            <a:endParaRPr lang="en-US"/>
+            <a:r>
+              <a:rPr lang="en-US" dirty="0"/>
+              <a:t>Documents stored in a collection require a unique </a:t>
+            </a:r>
+            <a:r>
+              <a:rPr lang="en-US" dirty="0">
+                <a:solidFill>
+                  <a:srgbClr val="FF0000"/>
+                </a:solidFill>
+              </a:rPr>
+              <a:t>_id </a:t>
+            </a:r>
+            <a:r>
+              <a:rPr lang="en-US" dirty="0"/>
+              <a:t>field acts as </a:t>
+            </a:r>
+            <a:r>
+              <a:rPr lang="en-US" b="1" dirty="0"/>
+              <a:t>a primary key</a:t>
+            </a:r>
+          </a:p>
+          <a:p>
+            <a:r>
+              <a:rPr lang="en-US" dirty="0" err="1"/>
+              <a:t>ObjectId</a:t>
+            </a:r>
+            <a:r>
+              <a:rPr lang="en-US" dirty="0"/>
+              <a:t> is a 12-byte BSON type</a:t>
+            </a:r>
+          </a:p>
+          <a:p>
+            <a:endParaRPr lang="en-US" b="1" dirty="0"/>
           </a:p>
         </p:txBody>
       </p:sp>
       <p:pic>
         <p:nvPicPr>
-          <p:cNvPr id="5" name="Chỗ dành sẵn cho Nội dung 4">
+          <p:cNvPr id="5" name="Hình ảnh 4">
             <a:extLst>
               <a:ext uri="{FF2B5EF4-FFF2-40B4-BE49-F238E27FC236}">
-                <a16:creationId xmlns:a16="http://schemas.microsoft.com/office/drawing/2014/main" id="{6999C9AF-55C0-41B8-8BEF-6625B5FB4305}"/>
+                <a16:creationId xmlns:a16="http://schemas.microsoft.com/office/drawing/2014/main" id="{D3B78435-A194-4BC6-809F-69A5943A0E18}"/>
               </a:ext>
             </a:extLst>
           </p:cNvPr>
           <p:cNvPicPr>
-            <a:picLocks noGrp="1" noChangeAspect="1"/>
+            <a:picLocks noChangeAspect="1"/>
           </p:cNvPicPr>
-          <p:nvPr>
-            <p:ph idx="1"/>
-          </p:nvPr>
+          <p:nvPr/>
         </p:nvPicPr>
         <p:blipFill>
           <a:blip r:embed="rId2"/>
@@ -6267,15 +6262,115 @@
         </p:blipFill>
         <p:spPr>
           <a:xfrm>
-            <a:off x="0" y="897290"/>
-            <a:ext cx="11887200" cy="5960710"/>
+            <a:off x="1573992" y="3805495"/>
+            <a:ext cx="8575847" cy="2047875"/>
           </a:xfrm>
+          <a:prstGeom prst="rect">
+            <a:avLst/>
+          </a:prstGeom>
         </p:spPr>
       </p:pic>
+      <mc:AlternateContent xmlns:mc="http://schemas.openxmlformats.org/markup-compatibility/2006">
+        <mc:Choice xmlns:pslz="http://schemas.microsoft.com/office/powerpoint/2016/slidezoom" Requires="pslz">
+          <p:graphicFrame>
+            <p:nvGraphicFramePr>
+              <p:cNvPr id="6" name="Phóng to Trang chiếu 5">
+                <a:extLst>
+                  <a:ext uri="{FF2B5EF4-FFF2-40B4-BE49-F238E27FC236}">
+                    <a16:creationId xmlns:a16="http://schemas.microsoft.com/office/drawing/2014/main" id="{C29EABB0-A05C-4810-9C4E-8F9D5F070C03}"/>
+                  </a:ext>
+                </a:extLst>
+              </p:cNvPr>
+              <p:cNvGraphicFramePr>
+                <a:graphicFrameLocks noChangeAspect="1"/>
+              </p:cNvGraphicFramePr>
+              <p:nvPr>
+                <p:extLst>
+                  <p:ext uri="{D42A27DB-BD31-4B8C-83A1-F6EECF244321}">
+                    <p14:modId xmlns:p14="http://schemas.microsoft.com/office/powerpoint/2010/main" val="2258238357"/>
+                  </p:ext>
+                </p:extLst>
+              </p:nvPr>
+            </p:nvGraphicFramePr>
+            <p:xfrm>
+              <a:off x="-975360" y="6762750"/>
+              <a:ext cx="3048000" cy="1714500"/>
+            </p:xfrm>
+            <a:graphic>
+              <a:graphicData uri="http://schemas.microsoft.com/office/powerpoint/2016/slidezoom">
+                <pslz:sldZm>
+                  <pslz:sldZmObj sldId="263" cId="2603045961">
+                    <pslz:zmPr id="{0158E894-E805-4376-9F68-52C229D1AF44}" returnToParent="0" transitionDur="1000">
+                      <p166:blipFill xmlns:p166="http://schemas.microsoft.com/office/powerpoint/2016/6/main">
+                        <a:blip r:embed="rId3"/>
+                        <a:stretch>
+                          <a:fillRect/>
+                        </a:stretch>
+                      </p166:blipFill>
+                      <p166:spPr xmlns:p166="http://schemas.microsoft.com/office/powerpoint/2016/6/main">
+                        <a:xfrm>
+                          <a:off x="0" y="0"/>
+                          <a:ext cx="3048000" cy="1714500"/>
+                        </a:xfrm>
+                        <a:prstGeom prst="rect">
+                          <a:avLst/>
+                        </a:prstGeom>
+                        <a:ln w="3175">
+                          <a:solidFill>
+                            <a:prstClr val="ltGray"/>
+                          </a:solidFill>
+                        </a:ln>
+                      </p166:spPr>
+                    </pslz:zmPr>
+                  </pslz:sldZmObj>
+                </pslz:sldZm>
+              </a:graphicData>
+            </a:graphic>
+          </p:graphicFrame>
+        </mc:Choice>
+        <mc:Fallback>
+          <p:pic>
+            <p:nvPicPr>
+              <p:cNvPr id="6" name="Phóng to Trang chiếu 5">
+                <a:hlinkClick r:id="rId4" action="ppaction://hlinksldjump"/>
+                <a:extLst>
+                  <a:ext uri="{FF2B5EF4-FFF2-40B4-BE49-F238E27FC236}">
+                    <a16:creationId xmlns:a16="http://schemas.microsoft.com/office/drawing/2014/main" id="{C29EABB0-A05C-4810-9C4E-8F9D5F070C03}"/>
+                  </a:ext>
+                </a:extLst>
+              </p:cNvPr>
+              <p:cNvPicPr>
+                <a:picLocks noGrp="1" noRot="1" noChangeAspect="1" noMove="1" noResize="1" noEditPoints="1" noAdjustHandles="1" noChangeArrowheads="1" noChangeShapeType="1"/>
+              </p:cNvPicPr>
+              <p:nvPr/>
+            </p:nvPicPr>
+            <p:blipFill>
+              <a:blip r:embed="rId3"/>
+              <a:stretch>
+                <a:fillRect/>
+              </a:stretch>
+            </p:blipFill>
+            <p:spPr>
+              <a:xfrm>
+                <a:off x="-975360" y="6762750"/>
+                <a:ext cx="3048000" cy="1714500"/>
+              </a:xfrm>
+              <a:prstGeom prst="rect">
+                <a:avLst/>
+              </a:prstGeom>
+              <a:ln w="3175">
+                <a:solidFill>
+                  <a:prstClr val="ltGray"/>
+                </a:solidFill>
+              </a:ln>
+            </p:spPr>
+          </p:pic>
+        </mc:Fallback>
+      </mc:AlternateContent>
     </p:spTree>
     <p:extLst>
       <p:ext uri="{BB962C8B-B14F-4D97-AF65-F5344CB8AC3E}">
-        <p14:creationId xmlns:p14="http://schemas.microsoft.com/office/powerpoint/2010/main" val="3124808815"/>
+        <p14:creationId xmlns:p14="http://schemas.microsoft.com/office/powerpoint/2010/main" val="2603045961"/>
       </p:ext>
     </p:extLst>
   </p:cSld>
@@ -6307,6 +6402,1274 @@
           <p:cNvPr id="2" name="Tiêu đề 1">
             <a:extLst>
               <a:ext uri="{FF2B5EF4-FFF2-40B4-BE49-F238E27FC236}">
+                <a16:creationId xmlns:a16="http://schemas.microsoft.com/office/drawing/2014/main" id="{FEC0290B-580C-463E-9CF3-155918242CA7}"/>
+              </a:ext>
+            </a:extLst>
+          </p:cNvPr>
+          <p:cNvSpPr>
+            <a:spLocks noGrp="1"/>
+          </p:cNvSpPr>
+          <p:nvPr>
+            <p:ph type="title"/>
+          </p:nvPr>
+        </p:nvSpPr>
+        <p:spPr>
+          <a:xfrm>
+            <a:off x="1330883" y="692138"/>
+            <a:ext cx="8686800" cy="1468800"/>
+          </a:xfrm>
+        </p:spPr>
+        <p:txBody>
+          <a:bodyPr>
+            <a:normAutofit/>
+          </a:bodyPr>
+          <a:lstStyle/>
+          <a:p>
+            <a:pPr algn="l"/>
+            <a:r>
+              <a:rPr lang="en-US" sz="4800" u="sng" dirty="0"/>
+              <a:t>CRUD Operations</a:t>
+            </a:r>
+          </a:p>
+        </p:txBody>
+      </p:sp>
+      <p:sp>
+        <p:nvSpPr>
+          <p:cNvPr id="6" name="Chỗ dành sẵn cho Văn bản 5">
+            <a:extLst>
+              <a:ext uri="{FF2B5EF4-FFF2-40B4-BE49-F238E27FC236}">
+                <a16:creationId xmlns:a16="http://schemas.microsoft.com/office/drawing/2014/main" id="{0D51EBB0-C6A3-4BFB-BBCC-9F337912FB33}"/>
+              </a:ext>
+            </a:extLst>
+          </p:cNvPr>
+          <p:cNvSpPr>
+            <a:spLocks noGrp="1"/>
+          </p:cNvSpPr>
+          <p:nvPr>
+            <p:ph type="body" idx="1"/>
+          </p:nvPr>
+        </p:nvSpPr>
+        <p:spPr>
+          <a:xfrm>
+            <a:off x="1330883" y="2479023"/>
+            <a:ext cx="8686801" cy="3217441"/>
+          </a:xfrm>
+        </p:spPr>
+        <p:txBody>
+          <a:bodyPr>
+            <a:normAutofit/>
+          </a:bodyPr>
+          <a:lstStyle/>
+          <a:p>
+            <a:pPr marL="342900" indent="-342900" algn="l">
+              <a:buFont typeface="Arial" panose="020B0604020202020204" pitchFamily="34" charset="0"/>
+              <a:buChar char="•"/>
+            </a:pPr>
+            <a:endParaRPr lang="en-US" dirty="0"/>
+          </a:p>
+          <a:p>
+            <a:pPr marL="342900" indent="-342900" algn="l">
+              <a:buFont typeface="Arial" panose="020B0604020202020204" pitchFamily="34" charset="0"/>
+              <a:buChar char="•"/>
+            </a:pPr>
+            <a:r>
+              <a:rPr lang="en-US" dirty="0"/>
+              <a:t>Use + &lt;</a:t>
+            </a:r>
+            <a:r>
+              <a:rPr lang="en-US" dirty="0" err="1"/>
+              <a:t>db</a:t>
+            </a:r>
+            <a:r>
+              <a:rPr lang="en-US" dirty="0"/>
+              <a:t> name&gt; </a:t>
+            </a:r>
+          </a:p>
+          <a:p>
+            <a:pPr marL="342900" indent="-342900" algn="l">
+              <a:buFont typeface="Arial" panose="020B0604020202020204" pitchFamily="34" charset="0"/>
+              <a:buChar char="•"/>
+            </a:pPr>
+            <a:endParaRPr lang="en-US" dirty="0"/>
+          </a:p>
+          <a:p>
+            <a:pPr marL="342900" indent="-342900" algn="l">
+              <a:buFont typeface="Arial" panose="020B0604020202020204" pitchFamily="34" charset="0"/>
+              <a:buChar char="•"/>
+            </a:pPr>
+            <a:endParaRPr lang="en-US" dirty="0"/>
+          </a:p>
+          <a:p>
+            <a:pPr marL="342900" indent="-342900" algn="l">
+              <a:buFont typeface="Arial" panose="020B0604020202020204" pitchFamily="34" charset="0"/>
+              <a:buChar char="•"/>
+            </a:pPr>
+            <a:r>
+              <a:rPr lang="en-US" dirty="0"/>
+              <a:t>Db.&lt;collection name &gt;.save(&lt;BSON document&gt;)</a:t>
+            </a:r>
+          </a:p>
+          <a:p>
+            <a:pPr algn="l"/>
+            <a:endParaRPr lang="en-US" dirty="0"/>
+          </a:p>
+        </p:txBody>
+      </p:sp>
+    </p:spTree>
+    <p:extLst>
+      <p:ext uri="{BB962C8B-B14F-4D97-AF65-F5344CB8AC3E}">
+        <p14:creationId xmlns:p14="http://schemas.microsoft.com/office/powerpoint/2010/main" val="3469871539"/>
+      </p:ext>
+    </p:extLst>
+  </p:cSld>
+  <p:clrMapOvr>
+    <a:masterClrMapping/>
+  </p:clrMapOvr>
+</p:sld>
+</file>
+
+<file path=ppt/slides/slide15.xml><?xml version="1.0" encoding="utf-8"?>
+<p:sld xmlns:a="http://schemas.openxmlformats.org/drawingml/2006/main" xmlns:r="http://schemas.openxmlformats.org/officeDocument/2006/relationships" xmlns:p="http://schemas.openxmlformats.org/presentationml/2006/main">
+  <p:cSld>
+    <p:spTree>
+      <p:nvGrpSpPr>
+        <p:cNvPr id="1" name=""/>
+        <p:cNvGrpSpPr/>
+        <p:nvPr/>
+      </p:nvGrpSpPr>
+      <p:grpSpPr>
+        <a:xfrm>
+          <a:off x="0" y="0"/>
+          <a:ext cx="0" cy="0"/>
+          <a:chOff x="0" y="0"/>
+          <a:chExt cx="0" cy="0"/>
+        </a:xfrm>
+      </p:grpSpPr>
+      <p:sp>
+        <p:nvSpPr>
+          <p:cNvPr id="2" name="Tiêu đề 1">
+            <a:extLst>
+              <a:ext uri="{FF2B5EF4-FFF2-40B4-BE49-F238E27FC236}">
+                <a16:creationId xmlns:a16="http://schemas.microsoft.com/office/drawing/2014/main" id="{113B09FC-46B4-4F39-A3B9-1FF31CEEC7A5}"/>
+              </a:ext>
+            </a:extLst>
+          </p:cNvPr>
+          <p:cNvSpPr>
+            <a:spLocks noGrp="1"/>
+          </p:cNvSpPr>
+          <p:nvPr>
+            <p:ph type="ctrTitle"/>
+          </p:nvPr>
+        </p:nvSpPr>
+        <p:spPr>
+          <a:xfrm>
+            <a:off x="1751012" y="609601"/>
+            <a:ext cx="8676222" cy="1701113"/>
+          </a:xfrm>
+        </p:spPr>
+        <p:txBody>
+          <a:bodyPr/>
+          <a:lstStyle/>
+          <a:p>
+            <a:pPr algn="l"/>
+            <a:r>
+              <a:rPr lang="en-US" u="sng" dirty="0"/>
+              <a:t>CRUD Operations</a:t>
+            </a:r>
+            <a:endParaRPr lang="en-US" dirty="0"/>
+          </a:p>
+        </p:txBody>
+      </p:sp>
+      <p:sp>
+        <p:nvSpPr>
+          <p:cNvPr id="3" name="Tiêu đề phụ 2">
+            <a:extLst>
+              <a:ext uri="{FF2B5EF4-FFF2-40B4-BE49-F238E27FC236}">
+                <a16:creationId xmlns:a16="http://schemas.microsoft.com/office/drawing/2014/main" id="{F93D1FD6-EF70-4B29-A092-57FDAAC513D3}"/>
+              </a:ext>
+            </a:extLst>
+          </p:cNvPr>
+          <p:cNvSpPr>
+            <a:spLocks noGrp="1"/>
+          </p:cNvSpPr>
+          <p:nvPr>
+            <p:ph type="subTitle" idx="1"/>
+          </p:nvPr>
+        </p:nvSpPr>
+        <p:spPr>
+          <a:xfrm>
+            <a:off x="1751012" y="2631989"/>
+            <a:ext cx="8676222" cy="3159211"/>
+          </a:xfrm>
+        </p:spPr>
+        <p:txBody>
+          <a:bodyPr>
+            <a:normAutofit fontScale="92500" lnSpcReduction="10000"/>
+          </a:bodyPr>
+          <a:lstStyle/>
+          <a:p>
+            <a:pPr marL="342900" indent="-342900" algn="l">
+              <a:buFont typeface="Arial" panose="020B0604020202020204" pitchFamily="34" charset="0"/>
+              <a:buChar char="•"/>
+            </a:pPr>
+            <a:r>
+              <a:rPr lang="en-US" dirty="0"/>
+              <a:t>Insert </a:t>
+            </a:r>
+          </a:p>
+          <a:p>
+            <a:pPr algn="l"/>
+            <a:r>
+              <a:rPr lang="en-US" dirty="0"/>
+              <a:t>	 Db.&lt;collection name &gt;.insert(&lt;BSON document&gt;) </a:t>
+            </a:r>
+          </a:p>
+          <a:p>
+            <a:pPr marL="342900" indent="-342900" algn="l">
+              <a:buFont typeface="Arial" panose="020B0604020202020204" pitchFamily="34" charset="0"/>
+              <a:buChar char="•"/>
+            </a:pPr>
+            <a:r>
+              <a:rPr lang="en-US" dirty="0"/>
+              <a:t>Find</a:t>
+            </a:r>
+          </a:p>
+          <a:p>
+            <a:pPr algn="l"/>
+            <a:r>
+              <a:rPr lang="en-US" dirty="0"/>
+              <a:t>	 Db.&lt;collection name &gt;.</a:t>
+            </a:r>
+            <a:r>
+              <a:rPr lang="en-US" dirty="0" err="1"/>
+              <a:t>find.pretty</a:t>
+            </a:r>
+            <a:r>
+              <a:rPr lang="en-US" dirty="0"/>
+              <a:t>()</a:t>
+            </a:r>
+          </a:p>
+          <a:p>
+            <a:pPr marL="342900" indent="-342900" algn="l">
+              <a:buFont typeface="Arial" panose="020B0604020202020204" pitchFamily="34" charset="0"/>
+              <a:buChar char="•"/>
+            </a:pPr>
+            <a:r>
+              <a:rPr lang="en-US" dirty="0"/>
+              <a:t>Update</a:t>
+            </a:r>
+          </a:p>
+          <a:p>
+            <a:pPr algn="l"/>
+            <a:r>
+              <a:rPr lang="en-US" dirty="0"/>
+              <a:t>	 Db.&lt;collection name &gt;.update(&lt;BSON document&gt;) </a:t>
+            </a:r>
+          </a:p>
+          <a:p>
+            <a:pPr marL="342900" indent="-342900" algn="l">
+              <a:buFont typeface="Arial" panose="020B0604020202020204" pitchFamily="34" charset="0"/>
+              <a:buChar char="•"/>
+            </a:pPr>
+            <a:r>
+              <a:rPr lang="en-US" dirty="0"/>
+              <a:t>Remove</a:t>
+            </a:r>
+          </a:p>
+          <a:p>
+            <a:pPr algn="l"/>
+            <a:r>
+              <a:rPr lang="en-US" dirty="0"/>
+              <a:t>	 Db.&lt;collection name &gt;.remove(&lt;BSON document&gt;) </a:t>
+            </a:r>
+          </a:p>
+        </p:txBody>
+      </p:sp>
+    </p:spTree>
+    <p:extLst>
+      <p:ext uri="{BB962C8B-B14F-4D97-AF65-F5344CB8AC3E}">
+        <p14:creationId xmlns:p14="http://schemas.microsoft.com/office/powerpoint/2010/main" val="2053059422"/>
+      </p:ext>
+    </p:extLst>
+  </p:cSld>
+  <p:clrMapOvr>
+    <a:masterClrMapping/>
+  </p:clrMapOvr>
+</p:sld>
+</file>
+
+<file path=ppt/slides/slide16.xml><?xml version="1.0" encoding="utf-8"?>
+<p:sld xmlns:a="http://schemas.openxmlformats.org/drawingml/2006/main" xmlns:r="http://schemas.openxmlformats.org/officeDocument/2006/relationships" xmlns:p="http://schemas.openxmlformats.org/presentationml/2006/main">
+  <p:cSld>
+    <p:spTree>
+      <p:nvGrpSpPr>
+        <p:cNvPr id="1" name=""/>
+        <p:cNvGrpSpPr/>
+        <p:nvPr/>
+      </p:nvGrpSpPr>
+      <p:grpSpPr>
+        <a:xfrm>
+          <a:off x="0" y="0"/>
+          <a:ext cx="0" cy="0"/>
+          <a:chOff x="0" y="0"/>
+          <a:chExt cx="0" cy="0"/>
+        </a:xfrm>
+      </p:grpSpPr>
+      <p:sp>
+        <p:nvSpPr>
+          <p:cNvPr id="2" name="Tiêu đề 1">
+            <a:extLst>
+              <a:ext uri="{FF2B5EF4-FFF2-40B4-BE49-F238E27FC236}">
+                <a16:creationId xmlns:a16="http://schemas.microsoft.com/office/drawing/2014/main" id="{9FFD84F4-F37C-4ADA-AEF2-9835298383DB}"/>
+              </a:ext>
+            </a:extLst>
+          </p:cNvPr>
+          <p:cNvSpPr>
+            <a:spLocks noGrp="1"/>
+          </p:cNvSpPr>
+          <p:nvPr>
+            <p:ph type="title"/>
+          </p:nvPr>
+        </p:nvSpPr>
+        <p:spPr/>
+        <p:txBody>
+          <a:bodyPr/>
+          <a:lstStyle/>
+          <a:p>
+            <a:r>
+              <a:rPr lang="en-US" sz="4800" u="sng" dirty="0"/>
+              <a:t>Aggregation</a:t>
+            </a:r>
+            <a:r>
+              <a:rPr lang="en-US" dirty="0"/>
+              <a:t> </a:t>
+            </a:r>
+            <a:r>
+              <a:rPr lang="en-US" sz="4800" u="sng" dirty="0"/>
+              <a:t>framework</a:t>
+            </a:r>
+            <a:endParaRPr lang="en-US" u="sng" dirty="0"/>
+          </a:p>
+        </p:txBody>
+      </p:sp>
+      <p:sp>
+        <p:nvSpPr>
+          <p:cNvPr id="3" name="Chỗ dành sẵn cho Nội dung 2">
+            <a:extLst>
+              <a:ext uri="{FF2B5EF4-FFF2-40B4-BE49-F238E27FC236}">
+                <a16:creationId xmlns:a16="http://schemas.microsoft.com/office/drawing/2014/main" id="{91B1B0A8-BC33-41B3-834E-11B0290699CF}"/>
+              </a:ext>
+            </a:extLst>
+          </p:cNvPr>
+          <p:cNvSpPr>
+            <a:spLocks noGrp="1"/>
+          </p:cNvSpPr>
+          <p:nvPr>
+            <p:ph idx="1"/>
+          </p:nvPr>
+        </p:nvSpPr>
+        <p:spPr>
+          <a:xfrm>
+            <a:off x="871212" y="2326388"/>
+            <a:ext cx="10558788" cy="4074412"/>
+          </a:xfrm>
+        </p:spPr>
+        <p:txBody>
+          <a:bodyPr/>
+          <a:lstStyle/>
+          <a:p>
+            <a:r>
+              <a:rPr lang="en-US" dirty="0"/>
+              <a:t>Documents enter a multi-stage pipeline that transforms the documents into an aggregated results </a:t>
+            </a:r>
+          </a:p>
+          <a:p>
+            <a:r>
+              <a:rPr lang="en-US" dirty="0"/>
+              <a:t>Syntax : db.&lt;collection name&gt;.aggregate(Operations)</a:t>
+            </a:r>
+          </a:p>
+          <a:p>
+            <a:r>
+              <a:rPr lang="en-US" dirty="0"/>
+              <a:t>Example : </a:t>
+            </a:r>
+            <a:r>
+              <a:rPr lang="en-US" dirty="0" err="1"/>
+              <a:t>db.mydb.aggregate</a:t>
+            </a:r>
+            <a:r>
+              <a:rPr lang="en-US" dirty="0"/>
+              <a:t>([{$group : {_id : "$</a:t>
+            </a:r>
+            <a:r>
+              <a:rPr lang="en-US" dirty="0" err="1"/>
+              <a:t>by_user</a:t>
+            </a:r>
+            <a:r>
+              <a:rPr lang="en-US" dirty="0"/>
+              <a:t>", </a:t>
+            </a:r>
+            <a:r>
+              <a:rPr lang="en-US" dirty="0" err="1"/>
+              <a:t>num_tutorial</a:t>
+            </a:r>
+            <a:r>
+              <a:rPr lang="en-US" dirty="0"/>
+              <a:t> : {$sum : 1}}}])</a:t>
+            </a:r>
+          </a:p>
+        </p:txBody>
+      </p:sp>
+    </p:spTree>
+    <p:extLst>
+      <p:ext uri="{BB962C8B-B14F-4D97-AF65-F5344CB8AC3E}">
+        <p14:creationId xmlns:p14="http://schemas.microsoft.com/office/powerpoint/2010/main" val="2447395897"/>
+      </p:ext>
+    </p:extLst>
+  </p:cSld>
+  <p:clrMapOvr>
+    <a:masterClrMapping/>
+  </p:clrMapOvr>
+</p:sld>
+</file>
+
+<file path=ppt/slides/slide17.xml><?xml version="1.0" encoding="utf-8"?>
+<p:sld xmlns:a="http://schemas.openxmlformats.org/drawingml/2006/main" xmlns:r="http://schemas.openxmlformats.org/officeDocument/2006/relationships" xmlns:p="http://schemas.openxmlformats.org/presentationml/2006/main">
+  <p:cSld>
+    <p:bg>
+      <p:bgPr>
+        <a:solidFill>
+          <a:schemeClr val="bg2"/>
+        </a:solidFill>
+        <a:effectLst/>
+      </p:bgPr>
+    </p:bg>
+    <p:spTree>
+      <p:nvGrpSpPr>
+        <p:cNvPr id="1" name=""/>
+        <p:cNvGrpSpPr/>
+        <p:nvPr/>
+      </p:nvGrpSpPr>
+      <p:grpSpPr>
+        <a:xfrm>
+          <a:off x="0" y="0"/>
+          <a:ext cx="0" cy="0"/>
+          <a:chOff x="0" y="0"/>
+          <a:chExt cx="0" cy="0"/>
+        </a:xfrm>
+      </p:grpSpPr>
+      <p:sp useBgFill="1">
+        <p:nvSpPr>
+          <p:cNvPr id="10" name="Rectangle 9">
+            <a:extLst>
+              <a:ext uri="{FF2B5EF4-FFF2-40B4-BE49-F238E27FC236}">
+                <a16:creationId xmlns:a16="http://schemas.microsoft.com/office/drawing/2014/main" id="{65F32515-9322-44A5-8C72-4C7BFB461869}"/>
+              </a:ext>
+            </a:extLst>
+          </p:cNvPr>
+          <p:cNvSpPr>
+            <a:spLocks noGrp="1" noRot="1" noChangeAspect="1" noMove="1" noResize="1" noEditPoints="1" noAdjustHandles="1" noChangeArrowheads="1" noChangeShapeType="1" noTextEdit="1"/>
+          </p:cNvSpPr>
+          <p:nvPr>
+            <p:extLst>
+              <p:ext uri="{386F3935-93C4-4BCD-93E2-E3B085C9AB24}">
+                <p16:designElem xmlns:p16="http://schemas.microsoft.com/office/powerpoint/2015/main" val="1"/>
+              </p:ext>
+            </p:extLst>
+          </p:nvPr>
+        </p:nvSpPr>
+        <p:spPr>
+          <a:xfrm>
+            <a:off x="0" y="0"/>
+            <a:ext cx="12192000" cy="6858000"/>
+          </a:xfrm>
+          <a:prstGeom prst="rect">
+            <a:avLst/>
+          </a:prstGeom>
+          <a:ln>
+            <a:noFill/>
+          </a:ln>
+        </p:spPr>
+        <p:style>
+          <a:lnRef idx="2">
+            <a:schemeClr val="accent1">
+              <a:shade val="50000"/>
+            </a:schemeClr>
+          </a:lnRef>
+          <a:fillRef idx="1">
+            <a:schemeClr val="accent1"/>
+          </a:fillRef>
+          <a:effectRef idx="0">
+            <a:schemeClr val="accent1"/>
+          </a:effectRef>
+          <a:fontRef idx="minor">
+            <a:schemeClr val="lt1"/>
+          </a:fontRef>
+        </p:style>
+        <p:txBody>
+          <a:bodyPr rtlCol="0" anchor="ctr"/>
+          <a:lstStyle/>
+          <a:p>
+            <a:pPr algn="ctr"/>
+            <a:endParaRPr lang="en-US"/>
+          </a:p>
+        </p:txBody>
+      </p:sp>
+      <p:sp>
+        <p:nvSpPr>
+          <p:cNvPr id="12" name="Rectangle 11">
+            <a:extLst>
+              <a:ext uri="{FF2B5EF4-FFF2-40B4-BE49-F238E27FC236}">
+                <a16:creationId xmlns:a16="http://schemas.microsoft.com/office/drawing/2014/main" id="{A617F13B-5021-454F-90E5-3AB2383BFD34}"/>
+              </a:ext>
+            </a:extLst>
+          </p:cNvPr>
+          <p:cNvSpPr>
+            <a:spLocks noGrp="1" noRot="1" noChangeAspect="1" noMove="1" noResize="1" noEditPoints="1" noAdjustHandles="1" noChangeArrowheads="1" noChangeShapeType="1" noTextEdit="1"/>
+          </p:cNvSpPr>
+          <p:nvPr>
+            <p:extLst>
+              <p:ext uri="{386F3935-93C4-4BCD-93E2-E3B085C9AB24}">
+                <p16:designElem xmlns:p16="http://schemas.microsoft.com/office/powerpoint/2015/main" val="1"/>
+              </p:ext>
+            </p:extLst>
+          </p:nvPr>
+        </p:nvSpPr>
+        <p:spPr>
+          <a:xfrm>
+            <a:off x="477012" y="480060"/>
+            <a:ext cx="11237976" cy="5897880"/>
+          </a:xfrm>
+          <a:prstGeom prst="rect">
+            <a:avLst/>
+          </a:prstGeom>
+          <a:solidFill>
+            <a:srgbClr val="FFFFFF"/>
+          </a:solidFill>
+          <a:ln w="9525">
+            <a:noFill/>
+          </a:ln>
+          <a:effectLst>
+            <a:outerShdw blurRad="63500" dist="17780" dir="5400000" algn="t" rotWithShape="0">
+              <a:prstClr val="black">
+                <a:alpha val="43000"/>
+              </a:prstClr>
+            </a:outerShdw>
+          </a:effectLst>
+        </p:spPr>
+        <p:style>
+          <a:lnRef idx="2">
+            <a:schemeClr val="accent1">
+              <a:shade val="50000"/>
+            </a:schemeClr>
+          </a:lnRef>
+          <a:fillRef idx="1">
+            <a:schemeClr val="accent1"/>
+          </a:fillRef>
+          <a:effectRef idx="0">
+            <a:schemeClr val="accent1"/>
+          </a:effectRef>
+          <a:fontRef idx="minor">
+            <a:schemeClr val="lt1"/>
+          </a:fontRef>
+        </p:style>
+        <p:txBody>
+          <a:bodyPr rtlCol="0" anchor="ctr"/>
+          <a:lstStyle/>
+          <a:p>
+            <a:pPr algn="ctr"/>
+            <a:endParaRPr lang="en-US"/>
+          </a:p>
+        </p:txBody>
+      </p:sp>
+      <p:pic>
+        <p:nvPicPr>
+          <p:cNvPr id="7" name="Hình ảnh 3">
+            <a:extLst>
+              <a:ext uri="{FF2B5EF4-FFF2-40B4-BE49-F238E27FC236}">
+                <a16:creationId xmlns:a16="http://schemas.microsoft.com/office/drawing/2014/main" id="{24027E7C-CD95-4E93-A649-493BFB8C9E7F}"/>
+              </a:ext>
+            </a:extLst>
+          </p:cNvPr>
+          <p:cNvPicPr>
+            <a:picLocks noGrp="1" noChangeAspect="1"/>
+          </p:cNvPicPr>
+          <p:nvPr>
+            <p:ph idx="1"/>
+          </p:nvPr>
+        </p:nvPicPr>
+        <p:blipFill>
+          <a:blip r:embed="rId2"/>
+          <a:stretch>
+            <a:fillRect/>
+          </a:stretch>
+        </p:blipFill>
+        <p:spPr>
+          <a:xfrm>
+            <a:off x="1859448" y="643467"/>
+            <a:ext cx="8473103" cy="5571066"/>
+          </a:xfrm>
+          <a:prstGeom prst="rect">
+            <a:avLst/>
+          </a:prstGeom>
+        </p:spPr>
+      </p:pic>
+    </p:spTree>
+    <p:extLst>
+      <p:ext uri="{BB962C8B-B14F-4D97-AF65-F5344CB8AC3E}">
+        <p14:creationId xmlns:p14="http://schemas.microsoft.com/office/powerpoint/2010/main" val="786343975"/>
+      </p:ext>
+    </p:extLst>
+  </p:cSld>
+  <p:clrMapOvr>
+    <a:masterClrMapping/>
+  </p:clrMapOvr>
+</p:sld>
+</file>
+
+<file path=ppt/slides/slide18.xml><?xml version="1.0" encoding="utf-8"?>
+<p:sld xmlns:a="http://schemas.openxmlformats.org/drawingml/2006/main" xmlns:r="http://schemas.openxmlformats.org/officeDocument/2006/relationships" xmlns:p="http://schemas.openxmlformats.org/presentationml/2006/main">
+  <p:cSld>
+    <p:spTree>
+      <p:nvGrpSpPr>
+        <p:cNvPr id="1" name=""/>
+        <p:cNvGrpSpPr/>
+        <p:nvPr/>
+      </p:nvGrpSpPr>
+      <p:grpSpPr>
+        <a:xfrm>
+          <a:off x="0" y="0"/>
+          <a:ext cx="0" cy="0"/>
+          <a:chOff x="0" y="0"/>
+          <a:chExt cx="0" cy="0"/>
+        </a:xfrm>
+      </p:grpSpPr>
+      <p:sp>
+        <p:nvSpPr>
+          <p:cNvPr id="2" name="Tiêu đề 1">
+            <a:extLst>
+              <a:ext uri="{FF2B5EF4-FFF2-40B4-BE49-F238E27FC236}">
+                <a16:creationId xmlns:a16="http://schemas.microsoft.com/office/drawing/2014/main" id="{59CF12E8-8A16-4641-8F46-D68E47B0C625}"/>
+              </a:ext>
+            </a:extLst>
+          </p:cNvPr>
+          <p:cNvSpPr>
+            <a:spLocks noGrp="1"/>
+          </p:cNvSpPr>
+          <p:nvPr>
+            <p:ph type="title"/>
+          </p:nvPr>
+        </p:nvSpPr>
+        <p:spPr>
+          <a:xfrm>
+            <a:off x="1143001" y="107091"/>
+            <a:ext cx="9905998" cy="1905000"/>
+          </a:xfrm>
+        </p:spPr>
+        <p:txBody>
+          <a:bodyPr>
+            <a:normAutofit/>
+          </a:bodyPr>
+          <a:lstStyle/>
+          <a:p>
+            <a:r>
+              <a:rPr lang="en-US" sz="4800" u="sng" dirty="0"/>
+              <a:t>Map-reduce</a:t>
+            </a:r>
+          </a:p>
+        </p:txBody>
+      </p:sp>
+      <p:sp>
+        <p:nvSpPr>
+          <p:cNvPr id="3" name="Chỗ dành sẵn cho Nội dung 2">
+            <a:extLst>
+              <a:ext uri="{FF2B5EF4-FFF2-40B4-BE49-F238E27FC236}">
+                <a16:creationId xmlns:a16="http://schemas.microsoft.com/office/drawing/2014/main" id="{EA86B5F6-D241-4686-99A6-79D2AB84CB6C}"/>
+              </a:ext>
+            </a:extLst>
+          </p:cNvPr>
+          <p:cNvSpPr>
+            <a:spLocks noGrp="1"/>
+          </p:cNvSpPr>
+          <p:nvPr>
+            <p:ph idx="1"/>
+          </p:nvPr>
+        </p:nvSpPr>
+        <p:spPr>
+          <a:xfrm>
+            <a:off x="648318" y="2012091"/>
+            <a:ext cx="10400681" cy="4738818"/>
+          </a:xfrm>
+        </p:spPr>
+        <p:txBody>
+          <a:bodyPr>
+            <a:normAutofit/>
+          </a:bodyPr>
+          <a:lstStyle/>
+          <a:p>
+            <a:r>
+              <a:rPr lang="en-US" dirty="0"/>
+              <a:t>A data processing paradigm for condensing larger volumes of data into useful aggregated results</a:t>
+            </a:r>
+          </a:p>
+          <a:p>
+            <a:r>
+              <a:rPr lang="en-US" dirty="0"/>
+              <a:t>Syntax :</a:t>
+            </a:r>
+          </a:p>
+          <a:p>
+            <a:r>
+              <a:rPr lang="en-US" dirty="0"/>
+              <a:t> </a:t>
+            </a:r>
+            <a:r>
+              <a:rPr lang="en-US" dirty="0" err="1"/>
+              <a:t>db.collection.mapReduce</a:t>
+            </a:r>
+            <a:r>
+              <a:rPr lang="en-US" dirty="0"/>
+              <a:t>(   function() {emit(</a:t>
+            </a:r>
+            <a:r>
+              <a:rPr lang="en-US" dirty="0" err="1"/>
+              <a:t>key,value</a:t>
+            </a:r>
+            <a:r>
+              <a:rPr lang="en-US" dirty="0"/>
+              <a:t>);},  //</a:t>
+            </a:r>
+            <a:r>
+              <a:rPr lang="en-US" dirty="0" err="1"/>
+              <a:t>mapfunction</a:t>
+            </a:r>
+            <a:endParaRPr lang="en-US" dirty="0"/>
+          </a:p>
+          <a:p>
+            <a:pPr marL="0" indent="0">
+              <a:buNone/>
+            </a:pPr>
+            <a:r>
+              <a:rPr lang="en-US" dirty="0"/>
+              <a:t>  	function(</a:t>
+            </a:r>
+            <a:r>
+              <a:rPr lang="en-US" dirty="0" err="1"/>
+              <a:t>key,values</a:t>
+            </a:r>
+            <a:r>
+              <a:rPr lang="en-US" dirty="0"/>
+              <a:t>) {return </a:t>
+            </a:r>
+            <a:r>
+              <a:rPr lang="en-US" dirty="0" err="1"/>
+              <a:t>reduceFunction</a:t>
+            </a:r>
+            <a:r>
+              <a:rPr lang="en-US" dirty="0"/>
+              <a:t>}, {   //reduce function</a:t>
+            </a:r>
+          </a:p>
+          <a:p>
+            <a:pPr marL="0" indent="0">
+              <a:buNone/>
+            </a:pPr>
+            <a:r>
+              <a:rPr lang="en-US" dirty="0"/>
+              <a:t>     out: collection,</a:t>
+            </a:r>
+          </a:p>
+          <a:p>
+            <a:pPr marL="0" indent="0">
+              <a:buNone/>
+            </a:pPr>
+            <a:r>
+              <a:rPr lang="en-US" dirty="0"/>
+              <a:t>      query: document,</a:t>
+            </a:r>
+          </a:p>
+          <a:p>
+            <a:pPr marL="0" indent="0">
+              <a:buNone/>
+            </a:pPr>
+            <a:r>
+              <a:rPr lang="en-US" dirty="0"/>
+              <a:t>      sort: document,</a:t>
+            </a:r>
+          </a:p>
+          <a:p>
+            <a:pPr marL="0" indent="0">
+              <a:buNone/>
+            </a:pPr>
+            <a:r>
+              <a:rPr lang="en-US" dirty="0"/>
+              <a:t>      limit: number</a:t>
+            </a:r>
+          </a:p>
+          <a:p>
+            <a:pPr marL="0" indent="0">
+              <a:buNone/>
+            </a:pPr>
+            <a:r>
+              <a:rPr lang="en-US" dirty="0"/>
+              <a:t>   }</a:t>
+            </a:r>
+          </a:p>
+          <a:p>
+            <a:pPr marL="0" indent="0">
+              <a:buNone/>
+            </a:pPr>
+            <a:r>
+              <a:rPr lang="en-US" dirty="0"/>
+              <a:t>)</a:t>
+            </a:r>
+          </a:p>
+        </p:txBody>
+      </p:sp>
+    </p:spTree>
+    <p:extLst>
+      <p:ext uri="{BB962C8B-B14F-4D97-AF65-F5344CB8AC3E}">
+        <p14:creationId xmlns:p14="http://schemas.microsoft.com/office/powerpoint/2010/main" val="1831926754"/>
+      </p:ext>
+    </p:extLst>
+  </p:cSld>
+  <p:clrMapOvr>
+    <a:masterClrMapping/>
+  </p:clrMapOvr>
+</p:sld>
+</file>
+
+<file path=ppt/slides/slide19.xml><?xml version="1.0" encoding="utf-8"?>
+<p:sld xmlns:a="http://schemas.openxmlformats.org/drawingml/2006/main" xmlns:r="http://schemas.openxmlformats.org/officeDocument/2006/relationships" xmlns:p="http://schemas.openxmlformats.org/presentationml/2006/main">
+  <p:cSld>
+    <p:bg>
+      <p:bgPr>
+        <a:solidFill>
+          <a:schemeClr val="bg2"/>
+        </a:solidFill>
+        <a:effectLst/>
+      </p:bgPr>
+    </p:bg>
+    <p:spTree>
+      <p:nvGrpSpPr>
+        <p:cNvPr id="1" name=""/>
+        <p:cNvGrpSpPr/>
+        <p:nvPr/>
+      </p:nvGrpSpPr>
+      <p:grpSpPr>
+        <a:xfrm>
+          <a:off x="0" y="0"/>
+          <a:ext cx="0" cy="0"/>
+          <a:chOff x="0" y="0"/>
+          <a:chExt cx="0" cy="0"/>
+        </a:xfrm>
+      </p:grpSpPr>
+      <p:sp useBgFill="1">
+        <p:nvSpPr>
+          <p:cNvPr id="17" name="Rectangle 16">
+            <a:extLst>
+              <a:ext uri="{FF2B5EF4-FFF2-40B4-BE49-F238E27FC236}">
+                <a16:creationId xmlns:a16="http://schemas.microsoft.com/office/drawing/2014/main" id="{65F32515-9322-44A5-8C72-4C7BFB461869}"/>
+              </a:ext>
+            </a:extLst>
+          </p:cNvPr>
+          <p:cNvSpPr>
+            <a:spLocks noGrp="1" noRot="1" noChangeAspect="1" noMove="1" noResize="1" noEditPoints="1" noAdjustHandles="1" noChangeArrowheads="1" noChangeShapeType="1" noTextEdit="1"/>
+          </p:cNvSpPr>
+          <p:nvPr>
+            <p:extLst>
+              <p:ext uri="{386F3935-93C4-4BCD-93E2-E3B085C9AB24}">
+                <p16:designElem xmlns:p16="http://schemas.microsoft.com/office/powerpoint/2015/main" val="1"/>
+              </p:ext>
+            </p:extLst>
+          </p:nvPr>
+        </p:nvSpPr>
+        <p:spPr>
+          <a:xfrm>
+            <a:off x="0" y="0"/>
+            <a:ext cx="12192000" cy="6858000"/>
+          </a:xfrm>
+          <a:prstGeom prst="rect">
+            <a:avLst/>
+          </a:prstGeom>
+          <a:ln>
+            <a:noFill/>
+          </a:ln>
+        </p:spPr>
+        <p:style>
+          <a:lnRef idx="2">
+            <a:schemeClr val="accent1">
+              <a:shade val="50000"/>
+            </a:schemeClr>
+          </a:lnRef>
+          <a:fillRef idx="1">
+            <a:schemeClr val="accent1"/>
+          </a:fillRef>
+          <a:effectRef idx="0">
+            <a:schemeClr val="accent1"/>
+          </a:effectRef>
+          <a:fontRef idx="minor">
+            <a:schemeClr val="lt1"/>
+          </a:fontRef>
+        </p:style>
+        <p:txBody>
+          <a:bodyPr rtlCol="0" anchor="ctr"/>
+          <a:lstStyle/>
+          <a:p>
+            <a:pPr algn="ctr"/>
+            <a:endParaRPr lang="en-US"/>
+          </a:p>
+        </p:txBody>
+      </p:sp>
+      <p:sp>
+        <p:nvSpPr>
+          <p:cNvPr id="19" name="Rectangle 18">
+            <a:extLst>
+              <a:ext uri="{FF2B5EF4-FFF2-40B4-BE49-F238E27FC236}">
+                <a16:creationId xmlns:a16="http://schemas.microsoft.com/office/drawing/2014/main" id="{A617F13B-5021-454F-90E5-3AB2383BFD34}"/>
+              </a:ext>
+            </a:extLst>
+          </p:cNvPr>
+          <p:cNvSpPr>
+            <a:spLocks noGrp="1" noRot="1" noChangeAspect="1" noMove="1" noResize="1" noEditPoints="1" noAdjustHandles="1" noChangeArrowheads="1" noChangeShapeType="1" noTextEdit="1"/>
+          </p:cNvSpPr>
+          <p:nvPr>
+            <p:extLst>
+              <p:ext uri="{386F3935-93C4-4BCD-93E2-E3B085C9AB24}">
+                <p16:designElem xmlns:p16="http://schemas.microsoft.com/office/powerpoint/2015/main" val="1"/>
+              </p:ext>
+            </p:extLst>
+          </p:nvPr>
+        </p:nvSpPr>
+        <p:spPr>
+          <a:xfrm>
+            <a:off x="477012" y="480060"/>
+            <a:ext cx="11237976" cy="5897880"/>
+          </a:xfrm>
+          <a:prstGeom prst="rect">
+            <a:avLst/>
+          </a:prstGeom>
+          <a:solidFill>
+            <a:srgbClr val="FFFFFF"/>
+          </a:solidFill>
+          <a:ln w="9525">
+            <a:noFill/>
+          </a:ln>
+          <a:effectLst>
+            <a:outerShdw blurRad="63500" dist="17780" dir="5400000" algn="t" rotWithShape="0">
+              <a:prstClr val="black">
+                <a:alpha val="43000"/>
+              </a:prstClr>
+            </a:outerShdw>
+          </a:effectLst>
+        </p:spPr>
+        <p:style>
+          <a:lnRef idx="2">
+            <a:schemeClr val="accent1">
+              <a:shade val="50000"/>
+            </a:schemeClr>
+          </a:lnRef>
+          <a:fillRef idx="1">
+            <a:schemeClr val="accent1"/>
+          </a:fillRef>
+          <a:effectRef idx="0">
+            <a:schemeClr val="accent1"/>
+          </a:effectRef>
+          <a:fontRef idx="minor">
+            <a:schemeClr val="lt1"/>
+          </a:fontRef>
+        </p:style>
+        <p:txBody>
+          <a:bodyPr rtlCol="0" anchor="ctr"/>
+          <a:lstStyle/>
+          <a:p>
+            <a:pPr algn="ctr"/>
+            <a:endParaRPr lang="en-US"/>
+          </a:p>
+        </p:txBody>
+      </p:sp>
+      <p:pic>
+        <p:nvPicPr>
+          <p:cNvPr id="11" name="Đồ họa 10">
+            <a:extLst>
+              <a:ext uri="{FF2B5EF4-FFF2-40B4-BE49-F238E27FC236}">
+                <a16:creationId xmlns:a16="http://schemas.microsoft.com/office/drawing/2014/main" id="{81DF4939-41F5-4344-B496-90F20A80DF8A}"/>
+              </a:ext>
+            </a:extLst>
+          </p:cNvPr>
+          <p:cNvPicPr>
+            <a:picLocks noChangeAspect="1"/>
+          </p:cNvPicPr>
+          <p:nvPr/>
+        </p:nvPicPr>
+        <p:blipFill>
+          <a:blip r:embed="rId2">
+            <a:extLst>
+              <a:ext uri="{96DAC541-7B7A-43D3-8B79-37D633B846F1}">
+                <asvg:svgBlip xmlns:asvg="http://schemas.microsoft.com/office/drawing/2016/SVG/main" r:embed="rId3"/>
+              </a:ext>
+            </a:extLst>
+          </a:blip>
+          <a:stretch>
+            <a:fillRect/>
+          </a:stretch>
+        </p:blipFill>
+        <p:spPr>
+          <a:xfrm>
+            <a:off x="1021080" y="182880"/>
+            <a:ext cx="9433560" cy="6031653"/>
+          </a:xfrm>
+          <a:prstGeom prst="rect">
+            <a:avLst/>
+          </a:prstGeom>
+        </p:spPr>
+      </p:pic>
+    </p:spTree>
+    <p:extLst>
+      <p:ext uri="{BB962C8B-B14F-4D97-AF65-F5344CB8AC3E}">
+        <p14:creationId xmlns:p14="http://schemas.microsoft.com/office/powerpoint/2010/main" val="383696109"/>
+      </p:ext>
+    </p:extLst>
+  </p:cSld>
+  <p:clrMapOvr>
+    <a:masterClrMapping/>
+  </p:clrMapOvr>
+</p:sld>
+</file>
+
+<file path=ppt/slides/slide2.xml><?xml version="1.0" encoding="utf-8"?>
+<p:sld xmlns:a="http://schemas.openxmlformats.org/drawingml/2006/main" xmlns:r="http://schemas.openxmlformats.org/officeDocument/2006/relationships" xmlns:p="http://schemas.openxmlformats.org/presentationml/2006/main">
+  <p:cSld>
+    <p:spTree>
+      <p:nvGrpSpPr>
+        <p:cNvPr id="1" name=""/>
+        <p:cNvGrpSpPr/>
+        <p:nvPr/>
+      </p:nvGrpSpPr>
+      <p:grpSpPr>
+        <a:xfrm>
+          <a:off x="0" y="0"/>
+          <a:ext cx="0" cy="0"/>
+          <a:chOff x="0" y="0"/>
+          <a:chExt cx="0" cy="0"/>
+        </a:xfrm>
+      </p:grpSpPr>
+      <p:sp>
+        <p:nvSpPr>
+          <p:cNvPr id="2" name="Tiêu đề 1">
+            <a:extLst>
+              <a:ext uri="{FF2B5EF4-FFF2-40B4-BE49-F238E27FC236}">
+                <a16:creationId xmlns:a16="http://schemas.microsoft.com/office/drawing/2014/main" id="{E235F5B4-1C51-4306-B320-BBC06153DBCC}"/>
+              </a:ext>
+            </a:extLst>
+          </p:cNvPr>
+          <p:cNvSpPr>
+            <a:spLocks noGrp="1"/>
+          </p:cNvSpPr>
+          <p:nvPr>
+            <p:ph type="title"/>
+          </p:nvPr>
+        </p:nvSpPr>
+        <p:spPr/>
+        <p:txBody>
+          <a:bodyPr>
+            <a:normAutofit/>
+          </a:bodyPr>
+          <a:lstStyle/>
+          <a:p>
+            <a:r>
+              <a:rPr lang="en-US" sz="4800" u="sng" dirty="0"/>
+              <a:t>What are no SQL ?</a:t>
+            </a:r>
+          </a:p>
+        </p:txBody>
+      </p:sp>
+      <p:sp>
+        <p:nvSpPr>
+          <p:cNvPr id="3" name="Chỗ dành sẵn cho Nội dung 2">
+            <a:extLst>
+              <a:ext uri="{FF2B5EF4-FFF2-40B4-BE49-F238E27FC236}">
+                <a16:creationId xmlns:a16="http://schemas.microsoft.com/office/drawing/2014/main" id="{A63CEB02-8913-4392-A5CE-9B35D0668291}"/>
+              </a:ext>
+            </a:extLst>
+          </p:cNvPr>
+          <p:cNvSpPr>
+            <a:spLocks noGrp="1"/>
+          </p:cNvSpPr>
+          <p:nvPr>
+            <p:ph idx="1"/>
+          </p:nvPr>
+        </p:nvSpPr>
+        <p:spPr>
+          <a:xfrm>
+            <a:off x="1141413" y="2194559"/>
+            <a:ext cx="9905998" cy="3489961"/>
+          </a:xfrm>
+        </p:spPr>
+        <p:txBody>
+          <a:bodyPr/>
+          <a:lstStyle/>
+          <a:p>
+            <a:r>
+              <a:rPr lang="en-US" dirty="0">
+                <a:effectLst/>
+              </a:rPr>
+              <a:t>providing a mechanism for storage and retrieval of data that is modeled</a:t>
+            </a:r>
+          </a:p>
+          <a:p>
+            <a:endParaRPr lang="en-US" dirty="0">
+              <a:effectLst/>
+            </a:endParaRPr>
+          </a:p>
+          <a:p>
+            <a:r>
+              <a:rPr lang="en-US" dirty="0">
+                <a:effectLst/>
+              </a:rPr>
+              <a:t>Developed in response to a rise in the volume of data</a:t>
+            </a:r>
+          </a:p>
+          <a:p>
+            <a:endParaRPr lang="en-US" dirty="0">
+              <a:effectLst/>
+            </a:endParaRPr>
+          </a:p>
+          <a:p>
+            <a:r>
+              <a:rPr lang="en-US" dirty="0">
+                <a:effectLst/>
+              </a:rPr>
+              <a:t>Used in bigdata &amp; real-time web application</a:t>
+            </a:r>
+          </a:p>
+          <a:p>
+            <a:endParaRPr lang="en-US" dirty="0">
+              <a:effectLst/>
+            </a:endParaRPr>
+          </a:p>
+        </p:txBody>
+      </p:sp>
+    </p:spTree>
+    <p:extLst>
+      <p:ext uri="{BB962C8B-B14F-4D97-AF65-F5344CB8AC3E}">
+        <p14:creationId xmlns:p14="http://schemas.microsoft.com/office/powerpoint/2010/main" val="3188349508"/>
+      </p:ext>
+    </p:extLst>
+  </p:cSld>
+  <p:clrMapOvr>
+    <a:masterClrMapping/>
+  </p:clrMapOvr>
+</p:sld>
+</file>
+
+<file path=ppt/slides/slide20.xml><?xml version="1.0" encoding="utf-8"?>
+<p:sld xmlns:a="http://schemas.openxmlformats.org/drawingml/2006/main" xmlns:r="http://schemas.openxmlformats.org/officeDocument/2006/relationships" xmlns:p="http://schemas.openxmlformats.org/presentationml/2006/main">
+  <p:cSld>
+    <p:spTree>
+      <p:nvGrpSpPr>
+        <p:cNvPr id="1" name=""/>
+        <p:cNvGrpSpPr/>
+        <p:nvPr/>
+      </p:nvGrpSpPr>
+      <p:grpSpPr>
+        <a:xfrm>
+          <a:off x="0" y="0"/>
+          <a:ext cx="0" cy="0"/>
+          <a:chOff x="0" y="0"/>
+          <a:chExt cx="0" cy="0"/>
+        </a:xfrm>
+      </p:grpSpPr>
+      <p:sp>
+        <p:nvSpPr>
+          <p:cNvPr id="2" name="Tiêu đề 1">
+            <a:extLst>
+              <a:ext uri="{FF2B5EF4-FFF2-40B4-BE49-F238E27FC236}">
+                <a16:creationId xmlns:a16="http://schemas.microsoft.com/office/drawing/2014/main" id="{4DBF8E80-4421-47F8-9AA8-169680A9CB25}"/>
+              </a:ext>
+            </a:extLst>
+          </p:cNvPr>
+          <p:cNvSpPr>
+            <a:spLocks noGrp="1"/>
+          </p:cNvSpPr>
+          <p:nvPr>
+            <p:ph type="title"/>
+          </p:nvPr>
+        </p:nvSpPr>
+        <p:spPr/>
+        <p:txBody>
+          <a:bodyPr/>
+          <a:lstStyle/>
+          <a:p>
+            <a:endParaRPr lang="en-US"/>
+          </a:p>
+        </p:txBody>
+      </p:sp>
+      <p:pic>
+        <p:nvPicPr>
+          <p:cNvPr id="5" name="Chỗ dành sẵn cho Nội dung 4">
+            <a:extLst>
+              <a:ext uri="{FF2B5EF4-FFF2-40B4-BE49-F238E27FC236}">
+                <a16:creationId xmlns:a16="http://schemas.microsoft.com/office/drawing/2014/main" id="{6999C9AF-55C0-41B8-8BEF-6625B5FB4305}"/>
+              </a:ext>
+            </a:extLst>
+          </p:cNvPr>
+          <p:cNvPicPr>
+            <a:picLocks noGrp="1" noChangeAspect="1"/>
+          </p:cNvPicPr>
+          <p:nvPr>
+            <p:ph idx="1"/>
+          </p:nvPr>
+        </p:nvPicPr>
+        <p:blipFill>
+          <a:blip r:embed="rId2"/>
+          <a:stretch>
+            <a:fillRect/>
+          </a:stretch>
+        </p:blipFill>
+        <p:spPr>
+          <a:xfrm>
+            <a:off x="150812" y="363890"/>
+            <a:ext cx="11887200" cy="5960710"/>
+          </a:xfrm>
+        </p:spPr>
+      </p:pic>
+    </p:spTree>
+    <p:extLst>
+      <p:ext uri="{BB962C8B-B14F-4D97-AF65-F5344CB8AC3E}">
+        <p14:creationId xmlns:p14="http://schemas.microsoft.com/office/powerpoint/2010/main" val="3124808815"/>
+      </p:ext>
+    </p:extLst>
+  </p:cSld>
+  <p:clrMapOvr>
+    <a:masterClrMapping/>
+  </p:clrMapOvr>
+</p:sld>
+</file>
+
+<file path=ppt/slides/slide21.xml><?xml version="1.0" encoding="utf-8"?>
+<p:sld xmlns:a="http://schemas.openxmlformats.org/drawingml/2006/main" xmlns:r="http://schemas.openxmlformats.org/officeDocument/2006/relationships" xmlns:p="http://schemas.openxmlformats.org/presentationml/2006/main">
+  <p:cSld>
+    <p:spTree>
+      <p:nvGrpSpPr>
+        <p:cNvPr id="1" name=""/>
+        <p:cNvGrpSpPr/>
+        <p:nvPr/>
+      </p:nvGrpSpPr>
+      <p:grpSpPr>
+        <a:xfrm>
+          <a:off x="0" y="0"/>
+          <a:ext cx="0" cy="0"/>
+          <a:chOff x="0" y="0"/>
+          <a:chExt cx="0" cy="0"/>
+        </a:xfrm>
+      </p:grpSpPr>
+      <p:sp>
+        <p:nvSpPr>
+          <p:cNvPr id="2" name="Tiêu đề 1">
+            <a:extLst>
+              <a:ext uri="{FF2B5EF4-FFF2-40B4-BE49-F238E27FC236}">
                 <a16:creationId xmlns:a16="http://schemas.microsoft.com/office/drawing/2014/main" id="{41BDC45D-2077-4357-A4F9-935EC9AA03DF}"/>
               </a:ext>
             </a:extLst>
@@ -6405,7 +7768,7 @@
 </p:sld>
 </file>
 
-<file path=ppt/slides/slide2.xml><?xml version="1.0" encoding="utf-8"?>
+<file path=ppt/slides/slide3.xml><?xml version="1.0" encoding="utf-8"?>
 <p:sld xmlns:a="http://schemas.openxmlformats.org/drawingml/2006/main" xmlns:r="http://schemas.openxmlformats.org/officeDocument/2006/relationships" xmlns:p="http://schemas.openxmlformats.org/presentationml/2006/main">
   <p:cSld>
     <p:spTree>
@@ -6507,7 +7870,108 @@
 </p:sld>
 </file>
 
-<file path=ppt/slides/slide3.xml><?xml version="1.0" encoding="utf-8"?>
+<file path=ppt/slides/slide4.xml><?xml version="1.0" encoding="utf-8"?>
+<p:sld xmlns:a="http://schemas.openxmlformats.org/drawingml/2006/main" xmlns:r="http://schemas.openxmlformats.org/officeDocument/2006/relationships" xmlns:p="http://schemas.openxmlformats.org/presentationml/2006/main">
+  <p:cSld>
+    <p:spTree>
+      <p:nvGrpSpPr>
+        <p:cNvPr id="1" name=""/>
+        <p:cNvGrpSpPr/>
+        <p:nvPr/>
+      </p:nvGrpSpPr>
+      <p:grpSpPr>
+        <a:xfrm>
+          <a:off x="0" y="0"/>
+          <a:ext cx="0" cy="0"/>
+          <a:chOff x="0" y="0"/>
+          <a:chExt cx="0" cy="0"/>
+        </a:xfrm>
+      </p:grpSpPr>
+      <p:sp>
+        <p:nvSpPr>
+          <p:cNvPr id="2" name="Tiêu đề 1">
+            <a:extLst>
+              <a:ext uri="{FF2B5EF4-FFF2-40B4-BE49-F238E27FC236}">
+                <a16:creationId xmlns:a16="http://schemas.microsoft.com/office/drawing/2014/main" id="{3547DC63-7174-464F-BA28-AD898A8F3567}"/>
+              </a:ext>
+            </a:extLst>
+          </p:cNvPr>
+          <p:cNvSpPr>
+            <a:spLocks noGrp="1"/>
+          </p:cNvSpPr>
+          <p:nvPr>
+            <p:ph type="title"/>
+          </p:nvPr>
+        </p:nvSpPr>
+        <p:spPr>
+          <a:xfrm>
+            <a:off x="956061" y="0"/>
+            <a:ext cx="9905998" cy="1569308"/>
+          </a:xfrm>
+        </p:spPr>
+        <p:txBody>
+          <a:bodyPr>
+            <a:normAutofit/>
+          </a:bodyPr>
+          <a:lstStyle/>
+          <a:p>
+            <a:r>
+              <a:rPr lang="en-US" sz="4800" u="sng" dirty="0" err="1"/>
+              <a:t>MONGodb</a:t>
+            </a:r>
+            <a:r>
+              <a:rPr lang="en-US" sz="4800" u="sng" dirty="0"/>
+              <a:t> VS RDBMS</a:t>
+            </a:r>
+          </a:p>
+        </p:txBody>
+      </p:sp>
+      <p:pic>
+        <p:nvPicPr>
+          <p:cNvPr id="5" name="Chỗ dành sẵn cho Nội dung 4">
+            <a:extLst>
+              <a:ext uri="{FF2B5EF4-FFF2-40B4-BE49-F238E27FC236}">
+                <a16:creationId xmlns:a16="http://schemas.microsoft.com/office/drawing/2014/main" id="{D9036248-9B2C-4498-B3C5-ED856CCAAAE6}"/>
+              </a:ext>
+            </a:extLst>
+          </p:cNvPr>
+          <p:cNvPicPr>
+            <a:picLocks noGrp="1" noChangeAspect="1"/>
+          </p:cNvPicPr>
+          <p:nvPr>
+            <p:ph idx="1"/>
+          </p:nvPr>
+        </p:nvPicPr>
+        <p:blipFill>
+          <a:blip r:embed="rId2"/>
+          <a:stretch>
+            <a:fillRect/>
+          </a:stretch>
+        </p:blipFill>
+        <p:spPr>
+          <a:xfrm>
+            <a:off x="956060" y="1406610"/>
+            <a:ext cx="10991789" cy="4963710"/>
+          </a:xfrm>
+          <a:prstGeom prst="rect">
+            <a:avLst/>
+          </a:prstGeom>
+        </p:spPr>
+      </p:pic>
+    </p:spTree>
+    <p:extLst>
+      <p:ext uri="{BB962C8B-B14F-4D97-AF65-F5344CB8AC3E}">
+        <p14:creationId xmlns:p14="http://schemas.microsoft.com/office/powerpoint/2010/main" val="3967726997"/>
+      </p:ext>
+    </p:extLst>
+  </p:cSld>
+  <p:clrMapOvr>
+    <a:masterClrMapping/>
+  </p:clrMapOvr>
+</p:sld>
+</file>
+
+<file path=ppt/slides/slide5.xml><?xml version="1.0" encoding="utf-8"?>
 <p:sld xmlns:a="http://schemas.openxmlformats.org/drawingml/2006/main" xmlns:r="http://schemas.openxmlformats.org/officeDocument/2006/relationships" xmlns:p="http://schemas.openxmlformats.org/presentationml/2006/main">
   <p:cSld>
     <p:bg>
@@ -6679,7 +8143,7 @@
 </p:sld>
 </file>
 
-<file path=ppt/slides/slide4.xml><?xml version="1.0" encoding="utf-8"?>
+<file path=ppt/slides/slide6.xml><?xml version="1.0" encoding="utf-8"?>
 <p:sld xmlns:a="http://schemas.openxmlformats.org/drawingml/2006/main" xmlns:r="http://schemas.openxmlformats.org/officeDocument/2006/relationships" xmlns:p="http://schemas.openxmlformats.org/presentationml/2006/main">
   <p:cSld>
     <p:bg>
@@ -6742,8 +8206,8 @@
         </p:blipFill>
         <p:spPr>
           <a:xfrm>
-            <a:off x="4719485" y="3742695"/>
-            <a:ext cx="6440623" cy="2140580"/>
+            <a:off x="4064165" y="3133094"/>
+            <a:ext cx="7860200" cy="2886706"/>
           </a:xfrm>
           <a:prstGeom prst="roundRect">
             <a:avLst>
@@ -6793,7 +8257,7 @@
         </p:nvSpPr>
         <p:spPr>
           <a:xfrm>
-            <a:off x="643192" y="668028"/>
+            <a:off x="353632" y="165108"/>
             <a:ext cx="3431919" cy="5215247"/>
           </a:xfrm>
         </p:spPr>
@@ -6832,7 +8296,7 @@
         </p:nvSpPr>
         <p:spPr>
           <a:xfrm>
-            <a:off x="4719485" y="668029"/>
+            <a:off x="4719485" y="165108"/>
             <a:ext cx="6828142" cy="3353365"/>
           </a:xfrm>
         </p:spPr>
@@ -6867,7 +8331,7 @@
           <a:p>
             <a:r>
               <a:rPr lang="en-US" sz="1800" dirty="0"/>
-              <a:t>Non relational datastore</a:t>
+              <a:t>Non relational datastore (NoSQL)</a:t>
             </a:r>
           </a:p>
         </p:txBody>
@@ -6885,7 +8349,201 @@
 </p:sld>
 </file>
 
-<file path=ppt/slides/slide5.xml><?xml version="1.0" encoding="utf-8"?>
+<file path=ppt/slides/slide7.xml><?xml version="1.0" encoding="utf-8"?>
+<p:sld xmlns:a="http://schemas.openxmlformats.org/drawingml/2006/main" xmlns:r="http://schemas.openxmlformats.org/officeDocument/2006/relationships" xmlns:p="http://schemas.openxmlformats.org/presentationml/2006/main">
+  <p:cSld>
+    <p:bg>
+      <p:bgPr>
+        <a:solidFill>
+          <a:schemeClr val="bg2"/>
+        </a:solidFill>
+        <a:effectLst/>
+      </p:bgPr>
+    </p:bg>
+    <p:spTree>
+      <p:nvGrpSpPr>
+        <p:cNvPr id="1" name=""/>
+        <p:cNvGrpSpPr/>
+        <p:nvPr/>
+      </p:nvGrpSpPr>
+      <p:grpSpPr>
+        <a:xfrm>
+          <a:off x="0" y="0"/>
+          <a:ext cx="0" cy="0"/>
+          <a:chOff x="0" y="0"/>
+          <a:chExt cx="0" cy="0"/>
+        </a:xfrm>
+      </p:grpSpPr>
+      <p:sp useBgFill="1">
+        <p:nvSpPr>
+          <p:cNvPr id="10" name="Rectangle 9">
+            <a:extLst>
+              <a:ext uri="{FF2B5EF4-FFF2-40B4-BE49-F238E27FC236}">
+                <a16:creationId xmlns:a16="http://schemas.microsoft.com/office/drawing/2014/main" id="{65F32515-9322-44A5-8C72-4C7BFB461869}"/>
+              </a:ext>
+            </a:extLst>
+          </p:cNvPr>
+          <p:cNvSpPr>
+            <a:spLocks noGrp="1" noRot="1" noChangeAspect="1" noMove="1" noResize="1" noEditPoints="1" noAdjustHandles="1" noChangeArrowheads="1" noChangeShapeType="1" noTextEdit="1"/>
+          </p:cNvSpPr>
+          <p:nvPr>
+            <p:extLst>
+              <p:ext uri="{386F3935-93C4-4BCD-93E2-E3B085C9AB24}">
+                <p16:designElem xmlns:p16="http://schemas.microsoft.com/office/powerpoint/2015/main" val="1"/>
+              </p:ext>
+            </p:extLst>
+          </p:nvPr>
+        </p:nvSpPr>
+        <p:spPr>
+          <a:xfrm>
+            <a:off x="0" y="0"/>
+            <a:ext cx="12192000" cy="6858000"/>
+          </a:xfrm>
+          <a:prstGeom prst="rect">
+            <a:avLst/>
+          </a:prstGeom>
+          <a:ln>
+            <a:noFill/>
+          </a:ln>
+        </p:spPr>
+        <p:style>
+          <a:lnRef idx="2">
+            <a:schemeClr val="accent1">
+              <a:shade val="50000"/>
+            </a:schemeClr>
+          </a:lnRef>
+          <a:fillRef idx="1">
+            <a:schemeClr val="accent1"/>
+          </a:fillRef>
+          <a:effectRef idx="0">
+            <a:schemeClr val="accent1"/>
+          </a:effectRef>
+          <a:fontRef idx="minor">
+            <a:schemeClr val="lt1"/>
+          </a:fontRef>
+        </p:style>
+        <p:txBody>
+          <a:bodyPr rtlCol="0" anchor="ctr"/>
+          <a:lstStyle/>
+          <a:p>
+            <a:pPr algn="ctr"/>
+            <a:endParaRPr lang="en-US"/>
+          </a:p>
+        </p:txBody>
+      </p:sp>
+      <p:sp>
+        <p:nvSpPr>
+          <p:cNvPr id="12" name="Rectangle 11">
+            <a:extLst>
+              <a:ext uri="{FF2B5EF4-FFF2-40B4-BE49-F238E27FC236}">
+                <a16:creationId xmlns:a16="http://schemas.microsoft.com/office/drawing/2014/main" id="{A617F13B-5021-454F-90E5-3AB2383BFD34}"/>
+              </a:ext>
+            </a:extLst>
+          </p:cNvPr>
+          <p:cNvSpPr>
+            <a:spLocks noGrp="1" noRot="1" noChangeAspect="1" noMove="1" noResize="1" noEditPoints="1" noAdjustHandles="1" noChangeArrowheads="1" noChangeShapeType="1" noTextEdit="1"/>
+          </p:cNvSpPr>
+          <p:nvPr>
+            <p:extLst>
+              <p:ext uri="{386F3935-93C4-4BCD-93E2-E3B085C9AB24}">
+                <p16:designElem xmlns:p16="http://schemas.microsoft.com/office/powerpoint/2015/main" val="1"/>
+              </p:ext>
+            </p:extLst>
+          </p:nvPr>
+        </p:nvSpPr>
+        <p:spPr>
+          <a:xfrm>
+            <a:off x="477012" y="480060"/>
+            <a:ext cx="11237976" cy="5897880"/>
+          </a:xfrm>
+          <a:prstGeom prst="rect">
+            <a:avLst/>
+          </a:prstGeom>
+          <a:solidFill>
+            <a:srgbClr val="FFFFFF"/>
+          </a:solidFill>
+          <a:ln w="9525">
+            <a:noFill/>
+          </a:ln>
+          <a:effectLst>
+            <a:outerShdw blurRad="63500" dist="17780" dir="5400000" algn="t" rotWithShape="0">
+              <a:prstClr val="black">
+                <a:alpha val="43000"/>
+              </a:prstClr>
+            </a:outerShdw>
+          </a:effectLst>
+        </p:spPr>
+        <p:style>
+          <a:lnRef idx="2">
+            <a:schemeClr val="accent1">
+              <a:shade val="50000"/>
+            </a:schemeClr>
+          </a:lnRef>
+          <a:fillRef idx="1">
+            <a:schemeClr val="accent1"/>
+          </a:fillRef>
+          <a:effectRef idx="0">
+            <a:schemeClr val="accent1"/>
+          </a:effectRef>
+          <a:fontRef idx="minor">
+            <a:schemeClr val="lt1"/>
+          </a:fontRef>
+        </p:style>
+        <p:txBody>
+          <a:bodyPr rtlCol="0" anchor="ctr"/>
+          <a:lstStyle/>
+          <a:p>
+            <a:pPr algn="ctr"/>
+            <a:endParaRPr lang="en-US"/>
+          </a:p>
+        </p:txBody>
+      </p:sp>
+      <p:pic>
+        <p:nvPicPr>
+          <p:cNvPr id="7" name="Hình ảnh 3">
+            <a:extLst>
+              <a:ext uri="{FF2B5EF4-FFF2-40B4-BE49-F238E27FC236}">
+                <a16:creationId xmlns:a16="http://schemas.microsoft.com/office/drawing/2014/main" id="{0954C026-E4CC-4AF5-90D0-B4FCFBAB7D82}"/>
+              </a:ext>
+            </a:extLst>
+          </p:cNvPr>
+          <p:cNvPicPr>
+            <a:picLocks noGrp="1" noChangeAspect="1"/>
+          </p:cNvPicPr>
+          <p:nvPr>
+            <p:ph idx="1"/>
+          </p:nvPr>
+        </p:nvPicPr>
+        <p:blipFill>
+          <a:blip r:embed="rId2"/>
+          <a:stretch>
+            <a:fillRect/>
+          </a:stretch>
+        </p:blipFill>
+        <p:spPr>
+          <a:xfrm>
+            <a:off x="1334405" y="643467"/>
+            <a:ext cx="9523190" cy="5571066"/>
+          </a:xfrm>
+          <a:prstGeom prst="rect">
+            <a:avLst/>
+          </a:prstGeom>
+        </p:spPr>
+      </p:pic>
+    </p:spTree>
+    <p:extLst>
+      <p:ext uri="{BB962C8B-B14F-4D97-AF65-F5344CB8AC3E}">
+        <p14:creationId xmlns:p14="http://schemas.microsoft.com/office/powerpoint/2010/main" val="3407548006"/>
+      </p:ext>
+    </p:extLst>
+  </p:cSld>
+  <p:clrMapOvr>
+    <a:masterClrMapping/>
+  </p:clrMapOvr>
+</p:sld>
+</file>
+
+<file path=ppt/slides/slide8.xml><?xml version="1.0" encoding="utf-8"?>
 <p:sld xmlns:a="http://schemas.openxmlformats.org/drawingml/2006/main" xmlns:r="http://schemas.openxmlformats.org/officeDocument/2006/relationships" xmlns:p="http://schemas.openxmlformats.org/presentationml/2006/main">
   <p:cSld>
     <p:bg>
@@ -6948,8 +8606,8 @@
         </p:blipFill>
         <p:spPr>
           <a:xfrm>
-            <a:off x="2278380" y="2813993"/>
-            <a:ext cx="7635240" cy="3827106"/>
+            <a:off x="3558746" y="1861493"/>
+            <a:ext cx="8467879" cy="4206818"/>
           </a:xfrm>
           <a:prstGeom prst="roundRect">
             <a:avLst>
@@ -7050,8 +8708,8 @@
         </p:nvSpPr>
         <p:spPr>
           <a:xfrm>
-            <a:off x="1482811" y="1861493"/>
-            <a:ext cx="8810367" cy="952500"/>
+            <a:off x="0" y="2224217"/>
+            <a:ext cx="3558746" cy="3682312"/>
           </a:xfrm>
         </p:spPr>
         <p:txBody>
@@ -7080,7 +8738,7 @@
                   <a:tileRect/>
                 </a:gradFill>
               </a:rPr>
-              <a:t>	- MongoDB uses collections to store groups of data</a:t>
+              <a:t>- MongoDB uses collections to store groups of data</a:t>
             </a:r>
           </a:p>
         </p:txBody>
@@ -7089,394 +8747,6 @@
     <p:extLst>
       <p:ext uri="{BB962C8B-B14F-4D97-AF65-F5344CB8AC3E}">
         <p14:creationId xmlns:p14="http://schemas.microsoft.com/office/powerpoint/2010/main" val="172354265"/>
-      </p:ext>
-    </p:extLst>
-  </p:cSld>
-  <p:clrMapOvr>
-    <a:masterClrMapping/>
-  </p:clrMapOvr>
-</p:sld>
-</file>
-
-<file path=ppt/slides/slide6.xml><?xml version="1.0" encoding="utf-8"?>
-<p:sld xmlns:a="http://schemas.openxmlformats.org/drawingml/2006/main" xmlns:r="http://schemas.openxmlformats.org/officeDocument/2006/relationships" xmlns:p="http://schemas.openxmlformats.org/presentationml/2006/main">
-  <p:cSld>
-    <p:spTree>
-      <p:nvGrpSpPr>
-        <p:cNvPr id="1" name=""/>
-        <p:cNvGrpSpPr/>
-        <p:nvPr/>
-      </p:nvGrpSpPr>
-      <p:grpSpPr>
-        <a:xfrm>
-          <a:off x="0" y="0"/>
-          <a:ext cx="0" cy="0"/>
-          <a:chOff x="0" y="0"/>
-          <a:chExt cx="0" cy="0"/>
-        </a:xfrm>
-      </p:grpSpPr>
-      <p:sp>
-        <p:nvSpPr>
-          <p:cNvPr id="2" name="Tiêu đề 1">
-            <a:extLst>
-              <a:ext uri="{FF2B5EF4-FFF2-40B4-BE49-F238E27FC236}">
-                <a16:creationId xmlns:a16="http://schemas.microsoft.com/office/drawing/2014/main" id="{C0284EFB-8EF4-49EA-A054-D33067905347}"/>
-              </a:ext>
-            </a:extLst>
-          </p:cNvPr>
-          <p:cNvSpPr>
-            <a:spLocks noGrp="1"/>
-          </p:cNvSpPr>
-          <p:nvPr>
-            <p:ph type="title"/>
-          </p:nvPr>
-        </p:nvSpPr>
-        <p:spPr>
-          <a:xfrm>
-            <a:off x="1141413" y="609600"/>
-            <a:ext cx="9905998" cy="1120346"/>
-          </a:xfrm>
-        </p:spPr>
-        <p:txBody>
-          <a:bodyPr/>
-          <a:lstStyle/>
-          <a:p>
-            <a:r>
-              <a:rPr lang="en-US" sz="4800" u="sng" dirty="0" err="1"/>
-              <a:t>Schemaless</a:t>
-            </a:r>
-            <a:endParaRPr lang="en-US" u="sng" dirty="0"/>
-          </a:p>
-        </p:txBody>
-      </p:sp>
-      <p:sp>
-        <p:nvSpPr>
-          <p:cNvPr id="3" name="Chỗ dành sẵn cho Nội dung 2">
-            <a:extLst>
-              <a:ext uri="{FF2B5EF4-FFF2-40B4-BE49-F238E27FC236}">
-                <a16:creationId xmlns:a16="http://schemas.microsoft.com/office/drawing/2014/main" id="{31A2167B-D85A-4063-83B1-829AAD238560}"/>
-              </a:ext>
-            </a:extLst>
-          </p:cNvPr>
-          <p:cNvSpPr>
-            <a:spLocks noGrp="1"/>
-          </p:cNvSpPr>
-          <p:nvPr>
-            <p:ph idx="1"/>
-          </p:nvPr>
-        </p:nvSpPr>
-        <p:spPr>
-          <a:xfrm>
-            <a:off x="1141413" y="1567248"/>
-            <a:ext cx="9905998" cy="1979142"/>
-          </a:xfrm>
-        </p:spPr>
-        <p:txBody>
-          <a:bodyPr/>
-          <a:lstStyle/>
-          <a:p>
-            <a:pPr marL="0" indent="0">
-              <a:buNone/>
-            </a:pPr>
-            <a:r>
-              <a:rPr lang="en-US" dirty="0"/>
-              <a:t> 	two documents don’t have the same schema can be stored in the same collection</a:t>
-            </a:r>
-          </a:p>
-        </p:txBody>
-      </p:sp>
-      <p:pic>
-        <p:nvPicPr>
-          <p:cNvPr id="5" name="Hình ảnh 4">
-            <a:extLst>
-              <a:ext uri="{FF2B5EF4-FFF2-40B4-BE49-F238E27FC236}">
-                <a16:creationId xmlns:a16="http://schemas.microsoft.com/office/drawing/2014/main" id="{175ACE71-472A-4AB7-A2F9-9E91B9CE95B1}"/>
-              </a:ext>
-            </a:extLst>
-          </p:cNvPr>
-          <p:cNvPicPr>
-            <a:picLocks noChangeAspect="1"/>
-          </p:cNvPicPr>
-          <p:nvPr/>
-        </p:nvPicPr>
-        <p:blipFill>
-          <a:blip r:embed="rId2"/>
-          <a:stretch>
-            <a:fillRect/>
-          </a:stretch>
-        </p:blipFill>
-        <p:spPr>
-          <a:xfrm>
-            <a:off x="1527042" y="3401899"/>
-            <a:ext cx="9137916" cy="2130222"/>
-          </a:xfrm>
-          <a:prstGeom prst="rect">
-            <a:avLst/>
-          </a:prstGeom>
-        </p:spPr>
-      </p:pic>
-    </p:spTree>
-    <p:extLst>
-      <p:ext uri="{BB962C8B-B14F-4D97-AF65-F5344CB8AC3E}">
-        <p14:creationId xmlns:p14="http://schemas.microsoft.com/office/powerpoint/2010/main" val="2993211665"/>
-      </p:ext>
-    </p:extLst>
-  </p:cSld>
-  <p:clrMapOvr>
-    <a:masterClrMapping/>
-  </p:clrMapOvr>
-</p:sld>
-</file>
-
-<file path=ppt/slides/slide7.xml><?xml version="1.0" encoding="utf-8"?>
-<p:sld xmlns:a="http://schemas.openxmlformats.org/drawingml/2006/main" xmlns:r="http://schemas.openxmlformats.org/officeDocument/2006/relationships" xmlns:p="http://schemas.openxmlformats.org/presentationml/2006/main">
-  <p:cSld>
-    <p:spTree>
-      <p:nvGrpSpPr>
-        <p:cNvPr id="1" name=""/>
-        <p:cNvGrpSpPr/>
-        <p:nvPr/>
-      </p:nvGrpSpPr>
-      <p:grpSpPr>
-        <a:xfrm>
-          <a:off x="0" y="0"/>
-          <a:ext cx="0" cy="0"/>
-          <a:chOff x="0" y="0"/>
-          <a:chExt cx="0" cy="0"/>
-        </a:xfrm>
-      </p:grpSpPr>
-      <p:sp>
-        <p:nvSpPr>
-          <p:cNvPr id="2" name="Tiêu đề 1">
-            <a:extLst>
-              <a:ext uri="{FF2B5EF4-FFF2-40B4-BE49-F238E27FC236}">
-                <a16:creationId xmlns:a16="http://schemas.microsoft.com/office/drawing/2014/main" id="{D709856B-4350-4E16-86E5-9444D427EC45}"/>
-              </a:ext>
-            </a:extLst>
-          </p:cNvPr>
-          <p:cNvSpPr>
-            <a:spLocks noGrp="1"/>
-          </p:cNvSpPr>
-          <p:nvPr>
-            <p:ph type="title"/>
-          </p:nvPr>
-        </p:nvSpPr>
-        <p:spPr/>
-        <p:txBody>
-          <a:bodyPr/>
-          <a:lstStyle/>
-          <a:p>
-            <a:r>
-              <a:rPr lang="en-US" sz="4800" u="sng" dirty="0"/>
-              <a:t>Unsupported</a:t>
-            </a:r>
-            <a:endParaRPr lang="en-US" u="sng" dirty="0"/>
-          </a:p>
-        </p:txBody>
-      </p:sp>
-      <p:sp>
-        <p:nvSpPr>
-          <p:cNvPr id="3" name="Chỗ dành sẵn cho Nội dung 2">
-            <a:extLst>
-              <a:ext uri="{FF2B5EF4-FFF2-40B4-BE49-F238E27FC236}">
-                <a16:creationId xmlns:a16="http://schemas.microsoft.com/office/drawing/2014/main" id="{DD0C532C-E863-4455-BFF1-4FF6E2E6DE41}"/>
-              </a:ext>
-            </a:extLst>
-          </p:cNvPr>
-          <p:cNvSpPr>
-            <a:spLocks noGrp="1"/>
-          </p:cNvSpPr>
-          <p:nvPr>
-            <p:ph idx="1"/>
-          </p:nvPr>
-        </p:nvSpPr>
-        <p:spPr/>
-        <p:txBody>
-          <a:bodyPr/>
-          <a:lstStyle/>
-          <a:p>
-            <a:r>
-              <a:rPr lang="en-US" dirty="0"/>
-              <a:t>Joins</a:t>
-            </a:r>
-          </a:p>
-          <a:p>
-            <a:r>
-              <a:rPr lang="en-US" dirty="0"/>
-              <a:t>Transaction 	across multiple collection</a:t>
-            </a:r>
-          </a:p>
-          <a:p>
-            <a:pPr marL="0" indent="0">
-              <a:buNone/>
-            </a:pPr>
-            <a:r>
-              <a:rPr lang="en-US" dirty="0"/>
-              <a:t>=&gt; Because of scalability</a:t>
-            </a:r>
-          </a:p>
-        </p:txBody>
-      </p:sp>
-    </p:spTree>
-    <p:extLst>
-      <p:ext uri="{BB962C8B-B14F-4D97-AF65-F5344CB8AC3E}">
-        <p14:creationId xmlns:p14="http://schemas.microsoft.com/office/powerpoint/2010/main" val="1613898135"/>
-      </p:ext>
-    </p:extLst>
-  </p:cSld>
-  <p:clrMapOvr>
-    <a:masterClrMapping/>
-  </p:clrMapOvr>
-</p:sld>
-</file>
-
-<file path=ppt/slides/slide8.xml><?xml version="1.0" encoding="utf-8"?>
-<p:sld xmlns:a="http://schemas.openxmlformats.org/drawingml/2006/main" xmlns:r="http://schemas.openxmlformats.org/officeDocument/2006/relationships" xmlns:p="http://schemas.openxmlformats.org/presentationml/2006/main">
-  <p:cSld>
-    <p:spTree>
-      <p:nvGrpSpPr>
-        <p:cNvPr id="1" name=""/>
-        <p:cNvGrpSpPr/>
-        <p:nvPr/>
-      </p:nvGrpSpPr>
-      <p:grpSpPr>
-        <a:xfrm>
-          <a:off x="0" y="0"/>
-          <a:ext cx="0" cy="0"/>
-          <a:chOff x="0" y="0"/>
-          <a:chExt cx="0" cy="0"/>
-        </a:xfrm>
-      </p:grpSpPr>
-      <p:sp>
-        <p:nvSpPr>
-          <p:cNvPr id="2" name="Tiêu đề 1">
-            <a:extLst>
-              <a:ext uri="{FF2B5EF4-FFF2-40B4-BE49-F238E27FC236}">
-                <a16:creationId xmlns:a16="http://schemas.microsoft.com/office/drawing/2014/main" id="{80657FE7-B3B0-45C4-9BB1-281B92C1C857}"/>
-              </a:ext>
-            </a:extLst>
-          </p:cNvPr>
-          <p:cNvSpPr>
-            <a:spLocks noGrp="1"/>
-          </p:cNvSpPr>
-          <p:nvPr>
-            <p:ph type="title"/>
-          </p:nvPr>
-        </p:nvSpPr>
-        <p:spPr/>
-        <p:txBody>
-          <a:bodyPr>
-            <a:normAutofit/>
-          </a:bodyPr>
-          <a:lstStyle/>
-          <a:p>
-            <a:r>
-              <a:rPr lang="en-US" sz="4800" u="sng" dirty="0"/>
-              <a:t>Object id</a:t>
-            </a:r>
-          </a:p>
-        </p:txBody>
-      </p:sp>
-      <p:sp>
-        <p:nvSpPr>
-          <p:cNvPr id="3" name="Chỗ dành sẵn cho Nội dung 2">
-            <a:extLst>
-              <a:ext uri="{FF2B5EF4-FFF2-40B4-BE49-F238E27FC236}">
-                <a16:creationId xmlns:a16="http://schemas.microsoft.com/office/drawing/2014/main" id="{24125099-CEE5-4FE9-898E-691B0135A90F}"/>
-              </a:ext>
-            </a:extLst>
-          </p:cNvPr>
-          <p:cNvSpPr>
-            <a:spLocks noGrp="1"/>
-          </p:cNvSpPr>
-          <p:nvPr>
-            <p:ph idx="1"/>
-          </p:nvPr>
-        </p:nvSpPr>
-        <p:spPr>
-          <a:xfrm>
-            <a:off x="1141413" y="2086232"/>
-            <a:ext cx="9905998" cy="3124201"/>
-          </a:xfrm>
-        </p:spPr>
-        <p:txBody>
-          <a:bodyPr/>
-          <a:lstStyle/>
-          <a:p>
-            <a:r>
-              <a:rPr lang="en-US" dirty="0"/>
-              <a:t>Documents stored in a collection require a unique </a:t>
-            </a:r>
-            <a:r>
-              <a:rPr lang="en-US" dirty="0">
-                <a:solidFill>
-                  <a:srgbClr val="FF0000"/>
-                </a:solidFill>
-              </a:rPr>
-              <a:t>_id </a:t>
-            </a:r>
-            <a:r>
-              <a:rPr lang="en-US" dirty="0" err="1"/>
-              <a:t>fiel</a:t>
-            </a:r>
-            <a:r>
-              <a:rPr lang="en-US" dirty="0"/>
-              <a:t> acts as </a:t>
-            </a:r>
-            <a:r>
-              <a:rPr lang="en-US" b="1" dirty="0"/>
-              <a:t>a primary key</a:t>
-            </a:r>
-          </a:p>
-          <a:p>
-            <a:r>
-              <a:rPr lang="en-US" dirty="0" err="1"/>
-              <a:t>ObjectId</a:t>
-            </a:r>
-            <a:r>
-              <a:rPr lang="en-US" dirty="0"/>
-              <a:t> is a 12-byte BSON type</a:t>
-            </a:r>
-          </a:p>
-          <a:p>
-            <a:endParaRPr lang="en-US" b="1" dirty="0"/>
-          </a:p>
-        </p:txBody>
-      </p:sp>
-      <p:pic>
-        <p:nvPicPr>
-          <p:cNvPr id="5" name="Hình ảnh 4">
-            <a:extLst>
-              <a:ext uri="{FF2B5EF4-FFF2-40B4-BE49-F238E27FC236}">
-                <a16:creationId xmlns:a16="http://schemas.microsoft.com/office/drawing/2014/main" id="{D3B78435-A194-4BC6-809F-69A5943A0E18}"/>
-              </a:ext>
-            </a:extLst>
-          </p:cNvPr>
-          <p:cNvPicPr>
-            <a:picLocks noChangeAspect="1"/>
-          </p:cNvPicPr>
-          <p:nvPr/>
-        </p:nvPicPr>
-        <p:blipFill>
-          <a:blip r:embed="rId2"/>
-          <a:stretch>
-            <a:fillRect/>
-          </a:stretch>
-        </p:blipFill>
-        <p:spPr>
-          <a:xfrm>
-            <a:off x="1573992" y="3805495"/>
-            <a:ext cx="8575847" cy="2047875"/>
-          </a:xfrm>
-          <a:prstGeom prst="rect">
-            <a:avLst/>
-          </a:prstGeom>
-        </p:spPr>
-      </p:pic>
-    </p:spTree>
-    <p:extLst>
-      <p:ext uri="{BB962C8B-B14F-4D97-AF65-F5344CB8AC3E}">
-        <p14:creationId xmlns:p14="http://schemas.microsoft.com/office/powerpoint/2010/main" val="2603045961"/>
       </p:ext>
     </p:extLst>
   </p:cSld>
@@ -7508,7 +8778,7 @@
           <p:cNvPr id="2" name="Tiêu đề 1">
             <a:extLst>
               <a:ext uri="{FF2B5EF4-FFF2-40B4-BE49-F238E27FC236}">
-                <a16:creationId xmlns:a16="http://schemas.microsoft.com/office/drawing/2014/main" id="{FEC0290B-580C-463E-9CF3-155918242CA7}"/>
+                <a16:creationId xmlns:a16="http://schemas.microsoft.com/office/drawing/2014/main" id="{A0E9E89A-C11D-45F2-BA89-13235C3F441A}"/>
               </a:ext>
             </a:extLst>
           </p:cNvPr>
@@ -7519,32 +8789,29 @@
             <p:ph type="title"/>
           </p:nvPr>
         </p:nvSpPr>
-        <p:spPr>
-          <a:xfrm>
-            <a:off x="1330883" y="692138"/>
-            <a:ext cx="8686800" cy="1468800"/>
-          </a:xfrm>
-        </p:spPr>
-        <p:txBody>
-          <a:bodyPr>
-            <a:normAutofit/>
-          </a:bodyPr>
-          <a:lstStyle/>
-          <a:p>
-            <a:pPr algn="l"/>
-            <a:r>
-              <a:rPr lang="en-US" sz="4800" u="sng" dirty="0"/>
-              <a:t>CRUD Operations</a:t>
-            </a:r>
-          </a:p>
-        </p:txBody>
-      </p:sp>
-      <p:sp>
-        <p:nvSpPr>
-          <p:cNvPr id="6" name="Chỗ dành sẵn cho Văn bản 5">
+        <p:spPr/>
+        <p:txBody>
+          <a:bodyPr/>
+          <a:lstStyle/>
+          <a:p>
+            <a:r>
+              <a:rPr lang="en-US" dirty="0"/>
+              <a:t>Advantage of </a:t>
+            </a:r>
+            <a:r>
+              <a:rPr lang="en-US" dirty="0" err="1"/>
+              <a:t>Mongodb</a:t>
+            </a:r>
+            <a:endParaRPr lang="en-US" dirty="0"/>
+          </a:p>
+        </p:txBody>
+      </p:sp>
+      <p:sp>
+        <p:nvSpPr>
+          <p:cNvPr id="3" name="Chỗ dành sẵn cho Nội dung 2">
             <a:extLst>
               <a:ext uri="{FF2B5EF4-FFF2-40B4-BE49-F238E27FC236}">
-                <a16:creationId xmlns:a16="http://schemas.microsoft.com/office/drawing/2014/main" id="{0D51EBB0-C6A3-4BFB-BBCC-9F337912FB33}"/>
+                <a16:creationId xmlns:a16="http://schemas.microsoft.com/office/drawing/2014/main" id="{72F51ECA-CC09-45A8-8716-F7C01ACD8156}"/>
               </a:ext>
             </a:extLst>
           </p:cNvPr>
@@ -7552,127 +8819,38 @@
             <a:spLocks noGrp="1"/>
           </p:cNvSpPr>
           <p:nvPr>
-            <p:ph type="body" idx="1"/>
-          </p:nvPr>
-        </p:nvSpPr>
-        <p:spPr>
-          <a:xfrm>
-            <a:off x="1330883" y="2479024"/>
-            <a:ext cx="8686801" cy="1468800"/>
-          </a:xfrm>
-        </p:spPr>
-        <p:txBody>
-          <a:bodyPr>
-            <a:normAutofit lnSpcReduction="10000"/>
-          </a:bodyPr>
-          <a:lstStyle/>
-          <a:p>
-            <a:pPr marL="342900" indent="-342900" algn="l">
-              <a:buFont typeface="Arial" panose="020B0604020202020204" pitchFamily="34" charset="0"/>
-              <a:buChar char="•"/>
-            </a:pPr>
+            <p:ph idx="1"/>
+          </p:nvPr>
+        </p:nvSpPr>
+        <p:spPr/>
+        <p:txBody>
+          <a:bodyPr/>
+          <a:lstStyle/>
+          <a:p>
             <a:r>
               <a:rPr lang="en-US" dirty="0"/>
-              <a:t>Use + &lt;</a:t>
-            </a:r>
+              <a:t>High performance</a:t>
+            </a:r>
+          </a:p>
+          <a:p>
             <a:r>
               <a:rPr lang="en-US" dirty="0" err="1"/>
-              <a:t>db</a:t>
-            </a:r>
+              <a:t>schemaless</a:t>
+            </a:r>
+            <a:endParaRPr lang="en-US" dirty="0"/>
+          </a:p>
+          <a:p>
             <a:r>
               <a:rPr lang="en-US" dirty="0"/>
-              <a:t> name&gt; : create a </a:t>
-            </a:r>
-            <a:r>
-              <a:rPr lang="en-US" dirty="0" err="1"/>
-              <a:t>db</a:t>
-            </a:r>
-            <a:r>
-              <a:rPr lang="en-US" dirty="0"/>
-              <a:t> </a:t>
-            </a:r>
-            <a:r>
-              <a:rPr lang="en-US" dirty="0" err="1"/>
-              <a:t>caleed</a:t>
-            </a:r>
-            <a:r>
-              <a:rPr lang="en-US" dirty="0"/>
-              <a:t> &lt;</a:t>
-            </a:r>
-            <a:r>
-              <a:rPr lang="en-US" dirty="0" err="1"/>
-              <a:t>db</a:t>
-            </a:r>
-            <a:r>
-              <a:rPr lang="en-US" dirty="0"/>
-              <a:t> name&gt; on-demand. Only get created when added something to it.</a:t>
-            </a:r>
-          </a:p>
-          <a:p>
-            <a:pPr marL="342900" indent="-342900" algn="l">
-              <a:buFont typeface="Arial" panose="020B0604020202020204" pitchFamily="34" charset="0"/>
-              <a:buChar char="•"/>
-            </a:pPr>
-            <a:r>
-              <a:rPr lang="en-US" dirty="0"/>
-              <a:t>Db.&lt;collection name &gt;.save(&lt;BSON document&gt;) : create a collection called &lt;collection name &gt; under the </a:t>
-            </a:r>
-            <a:r>
-              <a:rPr lang="en-US" dirty="0" err="1"/>
-              <a:t>db</a:t>
-            </a:r>
-            <a:r>
-              <a:rPr lang="en-US" dirty="0"/>
-              <a:t> &lt;</a:t>
-            </a:r>
-            <a:r>
-              <a:rPr lang="en-US" dirty="0" err="1"/>
-              <a:t>db</a:t>
-            </a:r>
-            <a:r>
-              <a:rPr lang="en-US" dirty="0"/>
-              <a:t> name&gt;.</a:t>
-            </a:r>
-          </a:p>
-          <a:p>
-            <a:pPr algn="l"/>
-            <a:endParaRPr lang="en-US" dirty="0"/>
-          </a:p>
-        </p:txBody>
-      </p:sp>
-      <p:pic>
-        <p:nvPicPr>
-          <p:cNvPr id="5" name="Chỗ dành sẵn cho Nội dung 4">
-            <a:extLst>
-              <a:ext uri="{FF2B5EF4-FFF2-40B4-BE49-F238E27FC236}">
-                <a16:creationId xmlns:a16="http://schemas.microsoft.com/office/drawing/2014/main" id="{93A1849C-22CB-4947-B824-129643408223}"/>
-              </a:ext>
-            </a:extLst>
-          </p:cNvPr>
-          <p:cNvPicPr>
-            <a:picLocks noGrp="1" noChangeAspect="1"/>
-          </p:cNvPicPr>
-          <p:nvPr>
-            <p:ph idx="4294967295"/>
-          </p:nvPr>
-        </p:nvPicPr>
-        <p:blipFill>
-          <a:blip r:embed="rId2"/>
-          <a:stretch>
-            <a:fillRect/>
-          </a:stretch>
-        </p:blipFill>
-        <p:spPr>
-          <a:xfrm>
-            <a:off x="1417079" y="4120818"/>
-            <a:ext cx="9444038" cy="1905000"/>
-          </a:xfrm>
-        </p:spPr>
-      </p:pic>
+              <a:t>Scalability</a:t>
+            </a:r>
+          </a:p>
+        </p:txBody>
+      </p:sp>
     </p:spTree>
     <p:extLst>
       <p:ext uri="{BB962C8B-B14F-4D97-AF65-F5344CB8AC3E}">
-        <p14:creationId xmlns:p14="http://schemas.microsoft.com/office/powerpoint/2010/main" val="3469871539"/>
+        <p14:creationId xmlns:p14="http://schemas.microsoft.com/office/powerpoint/2010/main" val="2925811612"/>
       </p:ext>
     </p:extLst>
   </p:cSld>
